--- a/Anayzing_IBM_HR_Employee_Attrition/HR Employees Attrition.pptx
+++ b/Anayzing_IBM_HR_Employee_Attrition/HR Employees Attrition.pptx
@@ -5,36 +5,37 @@
     <p:sldMasterId id="2147483696" r:id="rId1"/>
   </p:sldMasterIdLst>
   <p:notesMasterIdLst>
-    <p:notesMasterId r:id="rId26"/>
+    <p:notesMasterId r:id="rId27"/>
   </p:notesMasterIdLst>
   <p:handoutMasterIdLst>
-    <p:handoutMasterId r:id="rId27"/>
+    <p:handoutMasterId r:id="rId28"/>
   </p:handoutMasterIdLst>
   <p:sldIdLst>
     <p:sldId id="258" r:id="rId2"/>
     <p:sldId id="259" r:id="rId3"/>
     <p:sldId id="260" r:id="rId4"/>
     <p:sldId id="268" r:id="rId5"/>
-    <p:sldId id="263" r:id="rId6"/>
+    <p:sldId id="282" r:id="rId6"/>
     <p:sldId id="265" r:id="rId7"/>
-    <p:sldId id="266" r:id="rId8"/>
-    <p:sldId id="264" r:id="rId9"/>
-    <p:sldId id="267" r:id="rId10"/>
-    <p:sldId id="269" r:id="rId11"/>
-    <p:sldId id="270" r:id="rId12"/>
-    <p:sldId id="271" r:id="rId13"/>
-    <p:sldId id="272" r:id="rId14"/>
-    <p:sldId id="276" r:id="rId15"/>
-    <p:sldId id="277" r:id="rId16"/>
-    <p:sldId id="275" r:id="rId17"/>
-    <p:sldId id="273" r:id="rId18"/>
-    <p:sldId id="274" r:id="rId19"/>
-    <p:sldId id="261" r:id="rId20"/>
-    <p:sldId id="278" r:id="rId21"/>
-    <p:sldId id="262" r:id="rId22"/>
-    <p:sldId id="279" r:id="rId23"/>
-    <p:sldId id="280" r:id="rId24"/>
-    <p:sldId id="281" r:id="rId25"/>
+    <p:sldId id="263" r:id="rId8"/>
+    <p:sldId id="266" r:id="rId9"/>
+    <p:sldId id="264" r:id="rId10"/>
+    <p:sldId id="267" r:id="rId11"/>
+    <p:sldId id="269" r:id="rId12"/>
+    <p:sldId id="270" r:id="rId13"/>
+    <p:sldId id="271" r:id="rId14"/>
+    <p:sldId id="272" r:id="rId15"/>
+    <p:sldId id="276" r:id="rId16"/>
+    <p:sldId id="277" r:id="rId17"/>
+    <p:sldId id="275" r:id="rId18"/>
+    <p:sldId id="273" r:id="rId19"/>
+    <p:sldId id="274" r:id="rId20"/>
+    <p:sldId id="261" r:id="rId21"/>
+    <p:sldId id="278" r:id="rId22"/>
+    <p:sldId id="262" r:id="rId23"/>
+    <p:sldId id="279" r:id="rId24"/>
+    <p:sldId id="280" r:id="rId25"/>
+    <p:sldId id="281" r:id="rId26"/>
   </p:sldIdLst>
   <p:sldSz cx="12192000" cy="6858000"/>
   <p:notesSz cx="6858000" cy="9144000"/>
@@ -237,7 +238,7 @@
           <a:p>
             <a:fld id="{8906F081-8781-4431-8FD4-2CF608CD7C47}" type="datetimeFigureOut">
               <a:rPr lang="en-US" smtClean="0"/>
-              <a:t>9/24/2022</a:t>
+              <a:t>9/29/2022</a:t>
             </a:fld>
             <a:endParaRPr lang="en-US"/>
           </a:p>
@@ -402,7 +403,7 @@
           <a:p>
             <a:fld id="{F06CA47C-B7FD-4BE9-B0E6-81BA758D95F2}" type="datetimeFigureOut">
               <a:rPr lang="en-US" smtClean="0"/>
-              <a:t>9/24/2022</a:t>
+              <a:t>9/29/2022</a:t>
             </a:fld>
             <a:endParaRPr lang="en-US"/>
           </a:p>
@@ -914,7 +915,7 @@
           <a:p>
             <a:fld id="{33024136-D290-48F3-A182-4C46BEB5146B}" type="datetime1">
               <a:rPr lang="en-US" smtClean="0"/>
-              <a:t>9/24/2022</a:t>
+              <a:t>9/29/2022</a:t>
             </a:fld>
             <a:endParaRPr lang="en-US" dirty="0"/>
           </a:p>
@@ -1099,7 +1100,7 @@
           <a:p>
             <a:fld id="{9CC7D44C-38B1-4D0F-9006-D5774F331095}" type="datetime1">
               <a:rPr lang="en-US" smtClean="0"/>
-              <a:t>9/24/2022</a:t>
+              <a:t>9/29/2022</a:t>
             </a:fld>
             <a:endParaRPr lang="en-US"/>
           </a:p>
@@ -1294,7 +1295,7 @@
           <a:p>
             <a:fld id="{F98D518A-FD4F-4358-B95B-9DB5A17160FB}" type="datetime1">
               <a:rPr lang="en-US" smtClean="0"/>
-              <a:t>9/24/2022</a:t>
+              <a:t>9/29/2022</a:t>
             </a:fld>
             <a:endParaRPr lang="en-US"/>
           </a:p>
@@ -1488,7 +1489,7 @@
           <a:p>
             <a:fld id="{5E2A9F4F-03AD-4497-A65D-076601BD41D2}" type="datetime1">
               <a:rPr lang="en-US" smtClean="0"/>
-              <a:t>9/24/2022</a:t>
+              <a:t>9/29/2022</a:t>
             </a:fld>
             <a:endParaRPr lang="en-US"/>
           </a:p>
@@ -1712,7 +1713,7 @@
           <a:p>
             <a:fld id="{EDFBF3AC-A781-43AA-8BD5-B12F49168B94}" type="datetime1">
               <a:rPr lang="en-US" smtClean="0"/>
-              <a:t>9/24/2022</a:t>
+              <a:t>9/29/2022</a:t>
             </a:fld>
             <a:endParaRPr lang="en-US"/>
           </a:p>
@@ -1998,7 +1999,7 @@
           <a:p>
             <a:fld id="{C5256A41-C91B-43FF-9881-F5DA9878418F}" type="datetime1">
               <a:rPr lang="en-US" smtClean="0"/>
-              <a:t>9/24/2022</a:t>
+              <a:t>9/29/2022</a:t>
             </a:fld>
             <a:endParaRPr lang="en-US"/>
           </a:p>
@@ -2402,7 +2403,7 @@
           <a:p>
             <a:fld id="{FFD7AA76-41EE-4C13-950E-E611B8B8FC52}" type="datetime1">
               <a:rPr lang="en-US" smtClean="0"/>
-              <a:t>9/24/2022</a:t>
+              <a:t>9/29/2022</a:t>
             </a:fld>
             <a:endParaRPr lang="en-US"/>
           </a:p>
@@ -2550,7 +2551,7 @@
           <a:p>
             <a:fld id="{89407A26-E7BC-4498-97E4-87AF12377CA9}" type="datetime1">
               <a:rPr lang="en-US" smtClean="0"/>
-              <a:t>9/24/2022</a:t>
+              <a:t>9/29/2022</a:t>
             </a:fld>
             <a:endParaRPr lang="en-US"/>
           </a:p>
@@ -2665,7 +2666,7 @@
           <a:p>
             <a:fld id="{93EA4171-1117-4486-993C-35A7470D8847}" type="datetime1">
               <a:rPr lang="en-US" smtClean="0"/>
-              <a:t>9/24/2022</a:t>
+              <a:t>9/29/2022</a:t>
             </a:fld>
             <a:endParaRPr lang="en-US"/>
           </a:p>
@@ -2938,7 +2939,7 @@
           <a:p>
             <a:fld id="{472A4CB8-1563-4663-81DB-74EB416C19BE}" type="datetime1">
               <a:rPr lang="en-US" smtClean="0"/>
-              <a:t>9/24/2022</a:t>
+              <a:t>9/29/2022</a:t>
             </a:fld>
             <a:endParaRPr lang="en-US"/>
           </a:p>
@@ -3276,7 +3277,7 @@
           <a:p>
             <a:fld id="{0C6724CE-2468-448B-87C1-A92EDD78369B}" type="datetime1">
               <a:rPr lang="en-US" smtClean="0"/>
-              <a:t>9/24/2022</a:t>
+              <a:t>9/29/2022</a:t>
             </a:fld>
             <a:endParaRPr lang="en-US"/>
           </a:p>
@@ -3539,7 +3540,7 @@
           <a:p>
             <a:fld id="{4CD11720-76E7-46E6-B0AA-057287C42052}" type="datetime1">
               <a:rPr lang="en-US" smtClean="0"/>
-              <a:t>9/24/2022</a:t>
+              <a:t>9/29/2022</a:t>
             </a:fld>
             <a:endParaRPr lang="en-US" dirty="0"/>
           </a:p>
@@ -4067,6 +4068,13 @@
       </p:transition>
     </mc:Fallback>
   </mc:AlternateContent>
+  <p:timing>
+    <p:tnLst>
+      <p:par>
+        <p:cTn id="1" dur="indefinite" restart="never" nodeType="tmRoot"/>
+      </p:par>
+    </p:tnLst>
+  </p:timing>
 </p:sld>
 </file>
 
@@ -4087,6 +4095,38 @@
           <a:chExt cx="0" cy="0"/>
         </a:xfrm>
       </p:grpSpPr>
+      <p:sp>
+        <p:nvSpPr>
+          <p:cNvPr id="2" name="Title 1"/>
+          <p:cNvSpPr>
+            <a:spLocks noGrp="1"/>
+          </p:cNvSpPr>
+          <p:nvPr>
+            <p:ph type="title"/>
+          </p:nvPr>
+        </p:nvSpPr>
+        <p:spPr>
+          <a:xfrm>
+            <a:off x="1206137" y="956202"/>
+            <a:ext cx="10363200" cy="914400"/>
+          </a:xfrm>
+        </p:spPr>
+        <p:txBody>
+          <a:bodyPr/>
+          <a:lstStyle/>
+          <a:p>
+            <a:r>
+              <a:rPr lang="en-US" dirty="0"/>
+              <a:t>Analyze </a:t>
+            </a:r>
+            <a:r>
+              <a:rPr lang="en-US" dirty="0" smtClean="0"/>
+              <a:t>…</a:t>
+            </a:r>
+            <a:endParaRPr lang="en-US" dirty="0"/>
+          </a:p>
+        </p:txBody>
+      </p:sp>
       <p:pic>
         <p:nvPicPr>
           <p:cNvPr id="4" name="Content Placeholder 3"/>
@@ -4099,13 +4139,13 @@
         </p:nvPicPr>
         <p:blipFill rotWithShape="1">
           <a:blip r:embed="rId2"/>
-          <a:srcRect l="42426" t="27829" r="32665" b="47885"/>
+          <a:srcRect l="16266" t="26972" r="58996" b="46171"/>
           <a:stretch/>
         </p:blipFill>
         <p:spPr>
           <a:xfrm>
-            <a:off x="5042264" y="1802674"/>
-            <a:ext cx="5588600" cy="3409406"/>
+            <a:off x="5230150" y="1870602"/>
+            <a:ext cx="5376890" cy="3450925"/>
           </a:xfrm>
           <a:prstGeom prst="rect">
             <a:avLst/>
@@ -4114,7 +4154,7 @@
       </p:pic>
       <p:sp>
         <p:nvSpPr>
-          <p:cNvPr id="5" name="Content Placeholder 2"/>
+          <p:cNvPr id="7" name="Content Placeholder 2"/>
           <p:cNvSpPr txBox="1">
             <a:spLocks/>
           </p:cNvSpPr>
@@ -4122,8 +4162,8 @@
         </p:nvSpPr>
         <p:spPr>
           <a:xfrm>
-            <a:off x="1166949" y="1870602"/>
-            <a:ext cx="3666308" cy="3341478"/>
+            <a:off x="984069" y="1870602"/>
+            <a:ext cx="3932572" cy="3735976"/>
           </a:xfrm>
           <a:prstGeom prst="rect">
             <a:avLst/>
@@ -4312,62 +4352,15 @@
           <a:p>
             <a:r>
               <a:rPr lang="en-US" dirty="0" smtClean="0"/>
-              <a:t>Most employees are Non-travel.</a:t>
-            </a:r>
-          </a:p>
-        </p:txBody>
-      </p:sp>
-      <p:sp>
-        <p:nvSpPr>
-          <p:cNvPr id="6" name="Title 1"/>
-          <p:cNvSpPr txBox="1">
-            <a:spLocks/>
-          </p:cNvSpPr>
-          <p:nvPr/>
-        </p:nvSpPr>
-        <p:spPr>
-          <a:xfrm>
-            <a:off x="1166949" y="956202"/>
-            <a:ext cx="10363200" cy="914400"/>
-          </a:xfrm>
-          <a:prstGeom prst="rect">
-            <a:avLst/>
-          </a:prstGeom>
-        </p:spPr>
-        <p:txBody>
-          <a:bodyPr vert="horz" anchor="t">
-            <a:noAutofit/>
-          </a:bodyPr>
-          <a:lstStyle>
-            <a:lvl1pPr algn="l" rtl="0" eaLnBrk="1" latinLnBrk="0" hangingPunct="1">
-              <a:spcBef>
-                <a:spcPct val="0"/>
-              </a:spcBef>
-              <a:buNone/>
-              <a:defRPr kumimoji="0" sz="4000" kern="1200" spc="-100" baseline="0">
-                <a:solidFill>
-                  <a:schemeClr val="tx2"/>
-                </a:solidFill>
-                <a:latin typeface="+mj-lt"/>
-                <a:ea typeface="+mj-ea"/>
-                <a:cs typeface="+mj-cs"/>
-              </a:defRPr>
-            </a:lvl1pPr>
-            <a:extLst/>
-          </a:lstStyle>
-          <a:p>
-            <a:r>
-              <a:rPr lang="en-US" dirty="0" smtClean="0"/>
-              <a:t>Exploratory Data…</a:t>
-            </a:r>
-            <a:endParaRPr lang="en-US" dirty="0"/>
+              <a:t>Most employees are married</a:t>
+            </a:r>
           </a:p>
         </p:txBody>
       </p:sp>
     </p:spTree>
     <p:extLst>
       <p:ext uri="{BB962C8B-B14F-4D97-AF65-F5344CB8AC3E}">
-        <p14:creationId xmlns:p14="http://schemas.microsoft.com/office/powerpoint/2010/main" val="3213239816"/>
+        <p14:creationId xmlns:p14="http://schemas.microsoft.com/office/powerpoint/2010/main" val="1079638328"/>
       </p:ext>
     </p:extLst>
   </p:cSld>
@@ -4386,6 +4379,13 @@
       </p:transition>
     </mc:Fallback>
   </mc:AlternateContent>
+  <p:timing>
+    <p:tnLst>
+      <p:par>
+        <p:cTn id="1" dur="indefinite" restart="never" nodeType="tmRoot"/>
+      </p:par>
+    </p:tnLst>
+  </p:timing>
 </p:sld>
 </file>
 
@@ -4418,13 +4418,13 @@
         </p:nvPicPr>
         <p:blipFill rotWithShape="1">
           <a:blip r:embed="rId2"/>
-          <a:srcRect l="16427" t="54000" r="59156" b="13885"/>
+          <a:srcRect l="42426" t="27829" r="32665" b="47885"/>
           <a:stretch/>
         </p:blipFill>
         <p:spPr>
           <a:xfrm>
-            <a:off x="5473337" y="1935916"/>
-            <a:ext cx="5238206" cy="3231786"/>
+            <a:off x="5042264" y="1802674"/>
+            <a:ext cx="5588600" cy="3409406"/>
           </a:xfrm>
           <a:prstGeom prst="rect">
             <a:avLst/>
@@ -4433,48 +4433,16 @@
       </p:pic>
       <p:sp>
         <p:nvSpPr>
-          <p:cNvPr id="5" name="Title 1"/>
-          <p:cNvSpPr>
-            <a:spLocks noGrp="1"/>
-          </p:cNvSpPr>
-          <p:nvPr>
-            <p:ph type="title"/>
-          </p:nvPr>
+          <p:cNvPr id="5" name="Content Placeholder 2"/>
+          <p:cNvSpPr txBox="1">
+            <a:spLocks/>
+          </p:cNvSpPr>
+          <p:nvPr/>
         </p:nvSpPr>
         <p:spPr>
           <a:xfrm>
-            <a:off x="1193075" y="1021516"/>
-            <a:ext cx="10363200" cy="914400"/>
-          </a:xfrm>
-        </p:spPr>
-        <p:txBody>
-          <a:bodyPr/>
-          <a:lstStyle/>
-          <a:p>
-            <a:r>
-              <a:rPr lang="en-US" dirty="0"/>
-              <a:t>Exploratory </a:t>
-            </a:r>
-            <a:r>
-              <a:rPr lang="en-US" dirty="0" smtClean="0"/>
-              <a:t>Data…</a:t>
-            </a:r>
-            <a:endParaRPr lang="en-US" dirty="0"/>
-          </a:p>
-        </p:txBody>
-      </p:sp>
-      <p:sp>
-        <p:nvSpPr>
-          <p:cNvPr id="6" name="Content Placeholder 2"/>
-          <p:cNvSpPr txBox="1">
-            <a:spLocks/>
-          </p:cNvSpPr>
-          <p:nvPr/>
-        </p:nvSpPr>
-        <p:spPr>
-          <a:xfrm>
-            <a:off x="1193075" y="1935935"/>
-            <a:ext cx="4149634" cy="3341478"/>
+            <a:off x="1166949" y="1870602"/>
+            <a:ext cx="3666308" cy="3341478"/>
           </a:xfrm>
           <a:prstGeom prst="rect">
             <a:avLst/>
@@ -4663,6 +4631,365 @@
           <a:p>
             <a:r>
               <a:rPr lang="en-US" dirty="0" smtClean="0"/>
+              <a:t>Most employees work and live in the same place.</a:t>
+            </a:r>
+          </a:p>
+        </p:txBody>
+      </p:sp>
+      <p:sp>
+        <p:nvSpPr>
+          <p:cNvPr id="6" name="Title 1"/>
+          <p:cNvSpPr txBox="1">
+            <a:spLocks/>
+          </p:cNvSpPr>
+          <p:nvPr/>
+        </p:nvSpPr>
+        <p:spPr>
+          <a:xfrm>
+            <a:off x="1166949" y="956202"/>
+            <a:ext cx="10363200" cy="914400"/>
+          </a:xfrm>
+          <a:prstGeom prst="rect">
+            <a:avLst/>
+          </a:prstGeom>
+        </p:spPr>
+        <p:txBody>
+          <a:bodyPr vert="horz" anchor="t">
+            <a:noAutofit/>
+          </a:bodyPr>
+          <a:lstStyle>
+            <a:lvl1pPr algn="l" rtl="0" eaLnBrk="1" latinLnBrk="0" hangingPunct="1">
+              <a:spcBef>
+                <a:spcPct val="0"/>
+              </a:spcBef>
+              <a:buNone/>
+              <a:defRPr kumimoji="0" sz="4000" kern="1200" spc="-100" baseline="0">
+                <a:solidFill>
+                  <a:schemeClr val="tx2"/>
+                </a:solidFill>
+                <a:latin typeface="+mj-lt"/>
+                <a:ea typeface="+mj-ea"/>
+                <a:cs typeface="+mj-cs"/>
+              </a:defRPr>
+            </a:lvl1pPr>
+            <a:extLst/>
+          </a:lstStyle>
+          <a:p>
+            <a:r>
+              <a:rPr lang="en-US" dirty="0" smtClean="0"/>
+              <a:t>Analyze …</a:t>
+            </a:r>
+            <a:endParaRPr lang="en-US" dirty="0"/>
+          </a:p>
+        </p:txBody>
+      </p:sp>
+    </p:spTree>
+    <p:extLst>
+      <p:ext uri="{BB962C8B-B14F-4D97-AF65-F5344CB8AC3E}">
+        <p14:creationId xmlns:p14="http://schemas.microsoft.com/office/powerpoint/2010/main" val="3213239816"/>
+      </p:ext>
+    </p:extLst>
+  </p:cSld>
+  <p:clrMapOvr>
+    <a:masterClrMapping/>
+  </p:clrMapOvr>
+  <mc:AlternateContent xmlns:mc="http://schemas.openxmlformats.org/markup-compatibility/2006" xmlns:p14="http://schemas.microsoft.com/office/powerpoint/2010/main">
+    <mc:Choice Requires="p14">
+      <p:transition spd="med" p14:dur="700">
+        <p:fade/>
+      </p:transition>
+    </mc:Choice>
+    <mc:Fallback xmlns="">
+      <p:transition spd="med">
+        <p:fade/>
+      </p:transition>
+    </mc:Fallback>
+  </mc:AlternateContent>
+  <p:timing>
+    <p:tnLst>
+      <p:par>
+        <p:cTn id="1" dur="indefinite" restart="never" nodeType="tmRoot"/>
+      </p:par>
+    </p:tnLst>
+  </p:timing>
+</p:sld>
+</file>
+
+<file path=ppt/slides/slide12.xml><?xml version="1.0" encoding="utf-8"?>
+<p:sld xmlns:a="http://schemas.openxmlformats.org/drawingml/2006/main" xmlns:r="http://schemas.openxmlformats.org/officeDocument/2006/relationships" xmlns:p="http://schemas.openxmlformats.org/presentationml/2006/main">
+  <p:cSld>
+    <p:spTree>
+      <p:nvGrpSpPr>
+        <p:cNvPr id="1" name=""/>
+        <p:cNvGrpSpPr/>
+        <p:nvPr/>
+      </p:nvGrpSpPr>
+      <p:grpSpPr>
+        <a:xfrm>
+          <a:off x="0" y="0"/>
+          <a:ext cx="0" cy="0"/>
+          <a:chOff x="0" y="0"/>
+          <a:chExt cx="0" cy="0"/>
+        </a:xfrm>
+      </p:grpSpPr>
+      <p:pic>
+        <p:nvPicPr>
+          <p:cNvPr id="4" name="Content Placeholder 3"/>
+          <p:cNvPicPr>
+            <a:picLocks noGrp="1" noChangeAspect="1"/>
+          </p:cNvPicPr>
+          <p:nvPr>
+            <p:ph idx="1"/>
+          </p:nvPr>
+        </p:nvPicPr>
+        <p:blipFill rotWithShape="1">
+          <a:blip r:embed="rId2"/>
+          <a:srcRect l="16427" t="54000" r="59156" b="13885"/>
+          <a:stretch/>
+        </p:blipFill>
+        <p:spPr>
+          <a:xfrm>
+            <a:off x="5473337" y="1935916"/>
+            <a:ext cx="5238206" cy="3231786"/>
+          </a:xfrm>
+          <a:prstGeom prst="rect">
+            <a:avLst/>
+          </a:prstGeom>
+        </p:spPr>
+      </p:pic>
+      <p:sp>
+        <p:nvSpPr>
+          <p:cNvPr id="5" name="Title 1"/>
+          <p:cNvSpPr>
+            <a:spLocks noGrp="1"/>
+          </p:cNvSpPr>
+          <p:nvPr>
+            <p:ph type="title"/>
+          </p:nvPr>
+        </p:nvSpPr>
+        <p:spPr>
+          <a:xfrm>
+            <a:off x="1193075" y="1021516"/>
+            <a:ext cx="10363200" cy="914400"/>
+          </a:xfrm>
+        </p:spPr>
+        <p:txBody>
+          <a:bodyPr/>
+          <a:lstStyle/>
+          <a:p>
+            <a:r>
+              <a:rPr lang="en-US" dirty="0"/>
+              <a:t>Analyze …</a:t>
+            </a:r>
+          </a:p>
+        </p:txBody>
+      </p:sp>
+      <p:sp>
+        <p:nvSpPr>
+          <p:cNvPr id="6" name="Content Placeholder 2"/>
+          <p:cNvSpPr txBox="1">
+            <a:spLocks/>
+          </p:cNvSpPr>
+          <p:nvPr/>
+        </p:nvSpPr>
+        <p:spPr>
+          <a:xfrm>
+            <a:off x="1193075" y="1935935"/>
+            <a:ext cx="4149634" cy="3341478"/>
+          </a:xfrm>
+          <a:prstGeom prst="rect">
+            <a:avLst/>
+          </a:prstGeom>
+        </p:spPr>
+        <p:txBody>
+          <a:bodyPr vert="horz">
+            <a:normAutofit fontScale="92500"/>
+          </a:bodyPr>
+          <a:lstStyle>
+            <a:lvl1pPr marL="411480" indent="-342900" algn="l" rtl="0" eaLnBrk="1" latinLnBrk="0" hangingPunct="1">
+              <a:spcBef>
+                <a:spcPts val="700"/>
+              </a:spcBef>
+              <a:buClr>
+                <a:schemeClr val="tx2"/>
+              </a:buClr>
+              <a:buSzPct val="95000"/>
+              <a:buFont typeface="Wingdings"/>
+              <a:buChar char=""/>
+              <a:defRPr kumimoji="0" sz="3000" kern="1200">
+                <a:solidFill>
+                  <a:schemeClr val="tx1"/>
+                </a:solidFill>
+                <a:latin typeface="+mn-lt"/>
+                <a:ea typeface="+mn-ea"/>
+                <a:cs typeface="+mn-cs"/>
+              </a:defRPr>
+            </a:lvl1pPr>
+            <a:lvl2pPr marL="740664" indent="-285750" algn="l" rtl="0" eaLnBrk="1" latinLnBrk="0" hangingPunct="1">
+              <a:spcBef>
+                <a:spcPct val="20000"/>
+              </a:spcBef>
+              <a:buClr>
+                <a:schemeClr val="accent2"/>
+              </a:buClr>
+              <a:buSzPct val="90000"/>
+              <a:buFont typeface="Wingdings"/>
+              <a:buChar char=""/>
+              <a:defRPr kumimoji="0" sz="2600" kern="1200">
+                <a:solidFill>
+                  <a:schemeClr val="tx1"/>
+                </a:solidFill>
+                <a:latin typeface="+mn-lt"/>
+                <a:ea typeface="+mn-ea"/>
+                <a:cs typeface="+mn-cs"/>
+              </a:defRPr>
+            </a:lvl2pPr>
+            <a:lvl3pPr marL="996696" indent="-228600" algn="l" rtl="0" eaLnBrk="1" latinLnBrk="0" hangingPunct="1">
+              <a:spcBef>
+                <a:spcPct val="20000"/>
+              </a:spcBef>
+              <a:buClr>
+                <a:schemeClr val="accent2"/>
+              </a:buClr>
+              <a:buFont typeface="Wingdings 2"/>
+              <a:buChar char=""/>
+              <a:defRPr kumimoji="0" sz="2400" kern="1200">
+                <a:solidFill>
+                  <a:schemeClr val="tx1"/>
+                </a:solidFill>
+                <a:latin typeface="+mn-lt"/>
+                <a:ea typeface="+mn-ea"/>
+                <a:cs typeface="+mn-cs"/>
+              </a:defRPr>
+            </a:lvl3pPr>
+            <a:lvl4pPr marL="1261872" indent="-228600" algn="l" rtl="0" eaLnBrk="1" latinLnBrk="0" hangingPunct="1">
+              <a:spcBef>
+                <a:spcPct val="20000"/>
+              </a:spcBef>
+              <a:buClr>
+                <a:schemeClr val="accent3"/>
+              </a:buClr>
+              <a:buFont typeface="Wingdings 3"/>
+              <a:buChar char=""/>
+              <a:defRPr kumimoji="0" sz="2200" kern="1200">
+                <a:solidFill>
+                  <a:schemeClr val="tx1"/>
+                </a:solidFill>
+                <a:latin typeface="+mn-lt"/>
+                <a:ea typeface="+mn-ea"/>
+                <a:cs typeface="+mn-cs"/>
+              </a:defRPr>
+            </a:lvl4pPr>
+            <a:lvl5pPr marL="1481328" indent="-210312" algn="l" rtl="0" eaLnBrk="1" latinLnBrk="0" hangingPunct="1">
+              <a:spcBef>
+                <a:spcPct val="20000"/>
+              </a:spcBef>
+              <a:buClr>
+                <a:schemeClr val="accent3"/>
+              </a:buClr>
+              <a:buFont typeface="Wingdings 2"/>
+              <a:buChar char=""/>
+              <a:defRPr kumimoji="0" sz="2000" kern="1200">
+                <a:solidFill>
+                  <a:schemeClr val="tx1"/>
+                </a:solidFill>
+                <a:latin typeface="+mn-lt"/>
+                <a:ea typeface="+mn-ea"/>
+                <a:cs typeface="+mn-cs"/>
+              </a:defRPr>
+            </a:lvl5pPr>
+            <a:lvl6pPr marL="1709928" indent="-210312" algn="l" rtl="0" eaLnBrk="1" latinLnBrk="0" hangingPunct="1">
+              <a:spcBef>
+                <a:spcPct val="20000"/>
+              </a:spcBef>
+              <a:buClr>
+                <a:schemeClr val="accent3"/>
+              </a:buClr>
+              <a:buFont typeface="Wingdings 2"/>
+              <a:buChar char=""/>
+              <a:defRPr kumimoji="0" sz="1800" kern="1200">
+                <a:solidFill>
+                  <a:schemeClr val="tx1"/>
+                </a:solidFill>
+                <a:latin typeface="+mn-lt"/>
+                <a:ea typeface="+mn-ea"/>
+                <a:cs typeface="+mn-cs"/>
+              </a:defRPr>
+            </a:lvl6pPr>
+            <a:lvl7pPr marL="1901952" indent="-182880" algn="l" rtl="0" eaLnBrk="1" latinLnBrk="0" hangingPunct="1">
+              <a:spcBef>
+                <a:spcPct val="20000"/>
+              </a:spcBef>
+              <a:buClr>
+                <a:schemeClr val="accent4"/>
+              </a:buClr>
+              <a:buFont typeface="Wingdings 2"/>
+              <a:buChar char=""/>
+              <a:defRPr kumimoji="0" sz="1600" kern="1200">
+                <a:solidFill>
+                  <a:schemeClr val="tx1"/>
+                </a:solidFill>
+                <a:latin typeface="+mn-lt"/>
+                <a:ea typeface="+mn-ea"/>
+                <a:cs typeface="+mn-cs"/>
+              </a:defRPr>
+            </a:lvl7pPr>
+            <a:lvl8pPr marL="2093976" indent="-182880" algn="l" rtl="0" eaLnBrk="1" latinLnBrk="0" hangingPunct="1">
+              <a:spcBef>
+                <a:spcPct val="20000"/>
+              </a:spcBef>
+              <a:buClr>
+                <a:schemeClr val="accent4"/>
+              </a:buClr>
+              <a:buFont typeface="Wingdings 2"/>
+              <a:buChar char=""/>
+              <a:defRPr kumimoji="0" sz="1600" kern="1200">
+                <a:solidFill>
+                  <a:schemeClr val="tx1"/>
+                </a:solidFill>
+                <a:latin typeface="+mn-lt"/>
+                <a:ea typeface="+mn-ea"/>
+                <a:cs typeface="+mn-cs"/>
+              </a:defRPr>
+            </a:lvl8pPr>
+            <a:lvl9pPr marL="2286000" indent="-182880" algn="l" rtl="0" eaLnBrk="1" latinLnBrk="0" hangingPunct="1">
+              <a:spcBef>
+                <a:spcPct val="20000"/>
+              </a:spcBef>
+              <a:buClr>
+                <a:schemeClr val="accent4"/>
+              </a:buClr>
+              <a:buFont typeface="Wingdings 2"/>
+              <a:buChar char=""/>
+              <a:defRPr kumimoji="0" sz="1600" kern="1200">
+                <a:solidFill>
+                  <a:schemeClr val="tx1"/>
+                </a:solidFill>
+                <a:latin typeface="+mn-lt"/>
+                <a:ea typeface="+mn-ea"/>
+                <a:cs typeface="+mn-cs"/>
+              </a:defRPr>
+            </a:lvl9pPr>
+            <a:extLst/>
+          </a:lstStyle>
+          <a:p>
+            <a:pPr marL="68580" indent="0">
+              <a:buNone/>
+            </a:pPr>
+            <a:r>
+              <a:rPr lang="en-US" dirty="0"/>
+              <a:t>conclusion :</a:t>
+            </a:r>
+          </a:p>
+          <a:p>
+            <a:r>
+              <a:rPr lang="en-US" dirty="0" smtClean="0"/>
+              <a:t>Most employees have a bachelor’s degree.</a:t>
+            </a:r>
+          </a:p>
+          <a:p>
+            <a:r>
+              <a:rPr lang="en-US" dirty="0" smtClean="0"/>
               <a:t>The employee who has a doctor’s degree has the largest salary.</a:t>
             </a:r>
           </a:p>
@@ -4690,10 +5017,17 @@
       </p:transition>
     </mc:Fallback>
   </mc:AlternateContent>
+  <p:timing>
+    <p:tnLst>
+      <p:par>
+        <p:cTn id="1" dur="indefinite" restart="never" nodeType="tmRoot"/>
+      </p:par>
+    </p:tnLst>
+  </p:timing>
 </p:sld>
 </file>
 
-<file path=ppt/slides/slide12.xml><?xml version="1.0" encoding="utf-8"?>
+<file path=ppt/slides/slide13.xml><?xml version="1.0" encoding="utf-8"?>
 <p:sld xmlns:a="http://schemas.openxmlformats.org/drawingml/2006/main" xmlns:r="http://schemas.openxmlformats.org/officeDocument/2006/relationships" xmlns:p="http://schemas.openxmlformats.org/presentationml/2006/main">
   <p:cSld>
     <p:spTree>
@@ -4732,13 +5066,8 @@
           <a:p>
             <a:r>
               <a:rPr lang="en-US" dirty="0"/>
-              <a:t>Exploratory </a:t>
-            </a:r>
-            <a:r>
-              <a:rPr lang="en-US" dirty="0" smtClean="0"/>
-              <a:t>Data…</a:t>
-            </a:r>
-            <a:endParaRPr lang="en-US" dirty="0"/>
+              <a:t>Analyze …</a:t>
+            </a:r>
           </a:p>
         </p:txBody>
       </p:sp>
@@ -4954,9 +5283,18 @@
             </a:r>
             <a:r>
               <a:rPr lang="en-US" dirty="0"/>
-              <a:t>age group is between 26:35.</a:t>
-            </a:r>
-            <a:endParaRPr lang="en-US" dirty="0" smtClean="0"/>
+              <a:t>age group is between 26:35</a:t>
+            </a:r>
+            <a:r>
+              <a:rPr lang="en-US" dirty="0" smtClean="0"/>
+              <a:t>.</a:t>
+            </a:r>
+          </a:p>
+          <a:p>
+            <a:r>
+              <a:rPr lang="en-US" dirty="0" smtClean="0"/>
+              <a:t>The Males are larger than the females.</a:t>
+            </a:r>
           </a:p>
         </p:txBody>
       </p:sp>
@@ -5005,10 +5343,17 @@
       </p:transition>
     </mc:Fallback>
   </mc:AlternateContent>
+  <p:timing>
+    <p:tnLst>
+      <p:par>
+        <p:cTn id="1" dur="indefinite" restart="never" nodeType="tmRoot"/>
+      </p:par>
+    </p:tnLst>
+  </p:timing>
 </p:sld>
 </file>
 
-<file path=ppt/slides/slide13.xml><?xml version="1.0" encoding="utf-8"?>
+<file path=ppt/slides/slide14.xml><?xml version="1.0" encoding="utf-8"?>
 <p:sld xmlns:a="http://schemas.openxmlformats.org/drawingml/2006/main" xmlns:r="http://schemas.openxmlformats.org/officeDocument/2006/relationships" xmlns:p="http://schemas.openxmlformats.org/presentationml/2006/main">
   <p:cSld>
     <p:spTree>
@@ -5047,13 +5392,8 @@
           <a:p>
             <a:r>
               <a:rPr lang="en-US" dirty="0"/>
-              <a:t>Exploratory </a:t>
-            </a:r>
-            <a:r>
-              <a:rPr lang="en-US" dirty="0" smtClean="0"/>
-              <a:t>Data…</a:t>
-            </a:r>
-            <a:endParaRPr lang="en-US" dirty="0"/>
+              <a:t>Analyze …</a:t>
+            </a:r>
           </a:p>
         </p:txBody>
       </p:sp>
@@ -5264,7 +5604,7 @@
       </p:sp>
       <p:pic>
         <p:nvPicPr>
-          <p:cNvPr id="2" name="Picture 1"/>
+          <p:cNvPr id="3" name="Picture 2"/>
           <p:cNvPicPr>
             <a:picLocks noChangeAspect="1"/>
           </p:cNvPicPr>
@@ -5272,13 +5612,13 @@
         </p:nvPicPr>
         <p:blipFill rotWithShape="1">
           <a:blip r:embed="rId2"/>
-          <a:srcRect l="43508" t="57411" r="31995" b="15625"/>
+          <a:srcRect l="43585" t="57740" r="32088" b="15721"/>
           <a:stretch/>
         </p:blipFill>
         <p:spPr>
           <a:xfrm>
-            <a:off x="5486400" y="1935916"/>
-            <a:ext cx="5316584" cy="3186031"/>
+            <a:off x="6189785" y="1935915"/>
+            <a:ext cx="4684541" cy="3226927"/>
           </a:xfrm>
           <a:prstGeom prst="rect">
             <a:avLst/>
@@ -5310,7 +5650,7 @@
 </p:sld>
 </file>
 
-<file path=ppt/slides/slide14.xml><?xml version="1.0" encoding="utf-8"?>
+<file path=ppt/slides/slide15.xml><?xml version="1.0" encoding="utf-8"?>
 <p:sld xmlns:a="http://schemas.openxmlformats.org/drawingml/2006/main" xmlns:r="http://schemas.openxmlformats.org/officeDocument/2006/relationships" xmlns:p="http://schemas.openxmlformats.org/presentationml/2006/main">
   <p:cSld>
     <p:spTree>
@@ -5451,7 +5791,7 @@
 </p:sld>
 </file>
 
-<file path=ppt/slides/slide15.xml><?xml version="1.0" encoding="utf-8"?>
+<file path=ppt/slides/slide16.xml><?xml version="1.0" encoding="utf-8"?>
 <p:sld xmlns:a="http://schemas.openxmlformats.org/drawingml/2006/main" xmlns:r="http://schemas.openxmlformats.org/officeDocument/2006/relationships" xmlns:p="http://schemas.openxmlformats.org/presentationml/2006/main">
   <p:cSld>
     <p:spTree>
@@ -5508,6 +5848,650 @@
           <a:xfrm>
             <a:off x="1193075" y="1935935"/>
             <a:ext cx="4149634" cy="3341478"/>
+          </a:xfrm>
+          <a:prstGeom prst="rect">
+            <a:avLst/>
+          </a:prstGeom>
+        </p:spPr>
+        <p:txBody>
+          <a:bodyPr vert="horz">
+            <a:normAutofit fontScale="92500"/>
+          </a:bodyPr>
+          <a:lstStyle>
+            <a:lvl1pPr marL="411480" indent="-342900" algn="l" rtl="0" eaLnBrk="1" latinLnBrk="0" hangingPunct="1">
+              <a:spcBef>
+                <a:spcPts val="700"/>
+              </a:spcBef>
+              <a:buClr>
+                <a:schemeClr val="tx2"/>
+              </a:buClr>
+              <a:buSzPct val="95000"/>
+              <a:buFont typeface="Wingdings"/>
+              <a:buChar char=""/>
+              <a:defRPr kumimoji="0" sz="3000" kern="1200">
+                <a:solidFill>
+                  <a:schemeClr val="tx1"/>
+                </a:solidFill>
+                <a:latin typeface="+mn-lt"/>
+                <a:ea typeface="+mn-ea"/>
+                <a:cs typeface="+mn-cs"/>
+              </a:defRPr>
+            </a:lvl1pPr>
+            <a:lvl2pPr marL="740664" indent="-285750" algn="l" rtl="0" eaLnBrk="1" latinLnBrk="0" hangingPunct="1">
+              <a:spcBef>
+                <a:spcPct val="20000"/>
+              </a:spcBef>
+              <a:buClr>
+                <a:schemeClr val="accent2"/>
+              </a:buClr>
+              <a:buSzPct val="90000"/>
+              <a:buFont typeface="Wingdings"/>
+              <a:buChar char=""/>
+              <a:defRPr kumimoji="0" sz="2600" kern="1200">
+                <a:solidFill>
+                  <a:schemeClr val="tx1"/>
+                </a:solidFill>
+                <a:latin typeface="+mn-lt"/>
+                <a:ea typeface="+mn-ea"/>
+                <a:cs typeface="+mn-cs"/>
+              </a:defRPr>
+            </a:lvl2pPr>
+            <a:lvl3pPr marL="996696" indent="-228600" algn="l" rtl="0" eaLnBrk="1" latinLnBrk="0" hangingPunct="1">
+              <a:spcBef>
+                <a:spcPct val="20000"/>
+              </a:spcBef>
+              <a:buClr>
+                <a:schemeClr val="accent2"/>
+              </a:buClr>
+              <a:buFont typeface="Wingdings 2"/>
+              <a:buChar char=""/>
+              <a:defRPr kumimoji="0" sz="2400" kern="1200">
+                <a:solidFill>
+                  <a:schemeClr val="tx1"/>
+                </a:solidFill>
+                <a:latin typeface="+mn-lt"/>
+                <a:ea typeface="+mn-ea"/>
+                <a:cs typeface="+mn-cs"/>
+              </a:defRPr>
+            </a:lvl3pPr>
+            <a:lvl4pPr marL="1261872" indent="-228600" algn="l" rtl="0" eaLnBrk="1" latinLnBrk="0" hangingPunct="1">
+              <a:spcBef>
+                <a:spcPct val="20000"/>
+              </a:spcBef>
+              <a:buClr>
+                <a:schemeClr val="accent3"/>
+              </a:buClr>
+              <a:buFont typeface="Wingdings 3"/>
+              <a:buChar char=""/>
+              <a:defRPr kumimoji="0" sz="2200" kern="1200">
+                <a:solidFill>
+                  <a:schemeClr val="tx1"/>
+                </a:solidFill>
+                <a:latin typeface="+mn-lt"/>
+                <a:ea typeface="+mn-ea"/>
+                <a:cs typeface="+mn-cs"/>
+              </a:defRPr>
+            </a:lvl4pPr>
+            <a:lvl5pPr marL="1481328" indent="-210312" algn="l" rtl="0" eaLnBrk="1" latinLnBrk="0" hangingPunct="1">
+              <a:spcBef>
+                <a:spcPct val="20000"/>
+              </a:spcBef>
+              <a:buClr>
+                <a:schemeClr val="accent3"/>
+              </a:buClr>
+              <a:buFont typeface="Wingdings 2"/>
+              <a:buChar char=""/>
+              <a:defRPr kumimoji="0" sz="2000" kern="1200">
+                <a:solidFill>
+                  <a:schemeClr val="tx1"/>
+                </a:solidFill>
+                <a:latin typeface="+mn-lt"/>
+                <a:ea typeface="+mn-ea"/>
+                <a:cs typeface="+mn-cs"/>
+              </a:defRPr>
+            </a:lvl5pPr>
+            <a:lvl6pPr marL="1709928" indent="-210312" algn="l" rtl="0" eaLnBrk="1" latinLnBrk="0" hangingPunct="1">
+              <a:spcBef>
+                <a:spcPct val="20000"/>
+              </a:spcBef>
+              <a:buClr>
+                <a:schemeClr val="accent3"/>
+              </a:buClr>
+              <a:buFont typeface="Wingdings 2"/>
+              <a:buChar char=""/>
+              <a:defRPr kumimoji="0" sz="1800" kern="1200">
+                <a:solidFill>
+                  <a:schemeClr val="tx1"/>
+                </a:solidFill>
+                <a:latin typeface="+mn-lt"/>
+                <a:ea typeface="+mn-ea"/>
+                <a:cs typeface="+mn-cs"/>
+              </a:defRPr>
+            </a:lvl6pPr>
+            <a:lvl7pPr marL="1901952" indent="-182880" algn="l" rtl="0" eaLnBrk="1" latinLnBrk="0" hangingPunct="1">
+              <a:spcBef>
+                <a:spcPct val="20000"/>
+              </a:spcBef>
+              <a:buClr>
+                <a:schemeClr val="accent4"/>
+              </a:buClr>
+              <a:buFont typeface="Wingdings 2"/>
+              <a:buChar char=""/>
+              <a:defRPr kumimoji="0" sz="1600" kern="1200">
+                <a:solidFill>
+                  <a:schemeClr val="tx1"/>
+                </a:solidFill>
+                <a:latin typeface="+mn-lt"/>
+                <a:ea typeface="+mn-ea"/>
+                <a:cs typeface="+mn-cs"/>
+              </a:defRPr>
+            </a:lvl7pPr>
+            <a:lvl8pPr marL="2093976" indent="-182880" algn="l" rtl="0" eaLnBrk="1" latinLnBrk="0" hangingPunct="1">
+              <a:spcBef>
+                <a:spcPct val="20000"/>
+              </a:spcBef>
+              <a:buClr>
+                <a:schemeClr val="accent4"/>
+              </a:buClr>
+              <a:buFont typeface="Wingdings 2"/>
+              <a:buChar char=""/>
+              <a:defRPr kumimoji="0" sz="1600" kern="1200">
+                <a:solidFill>
+                  <a:schemeClr val="tx1"/>
+                </a:solidFill>
+                <a:latin typeface="+mn-lt"/>
+                <a:ea typeface="+mn-ea"/>
+                <a:cs typeface="+mn-cs"/>
+              </a:defRPr>
+            </a:lvl8pPr>
+            <a:lvl9pPr marL="2286000" indent="-182880" algn="l" rtl="0" eaLnBrk="1" latinLnBrk="0" hangingPunct="1">
+              <a:spcBef>
+                <a:spcPct val="20000"/>
+              </a:spcBef>
+              <a:buClr>
+                <a:schemeClr val="accent4"/>
+              </a:buClr>
+              <a:buFont typeface="Wingdings 2"/>
+              <a:buChar char=""/>
+              <a:defRPr kumimoji="0" sz="1600" kern="1200">
+                <a:solidFill>
+                  <a:schemeClr val="tx1"/>
+                </a:solidFill>
+                <a:latin typeface="+mn-lt"/>
+                <a:ea typeface="+mn-ea"/>
+                <a:cs typeface="+mn-cs"/>
+              </a:defRPr>
+            </a:lvl9pPr>
+            <a:extLst/>
+          </a:lstStyle>
+          <a:p>
+            <a:pPr marL="68580" indent="0">
+              <a:buNone/>
+            </a:pPr>
+            <a:r>
+              <a:rPr lang="en-US" dirty="0"/>
+              <a:t>conclusion :</a:t>
+            </a:r>
+          </a:p>
+          <a:p>
+            <a:r>
+              <a:rPr lang="en-US" dirty="0" smtClean="0"/>
+              <a:t>Employees who have a </a:t>
+            </a:r>
+            <a:r>
+              <a:rPr lang="en-US" b="1" dirty="0" smtClean="0"/>
+              <a:t>high salary</a:t>
+            </a:r>
+            <a:r>
+              <a:rPr lang="en-US" dirty="0" smtClean="0"/>
+              <a:t>, have the </a:t>
+            </a:r>
+            <a:r>
+              <a:rPr lang="en-US" b="1" dirty="0" smtClean="0"/>
+              <a:t>smallest attrition rate and </a:t>
+            </a:r>
+            <a:r>
+              <a:rPr lang="en-US" dirty="0" smtClean="0"/>
+              <a:t>they work </a:t>
+            </a:r>
+            <a:r>
+              <a:rPr lang="en-US" b="1" dirty="0" smtClean="0"/>
+              <a:t>as Research Directors</a:t>
+            </a:r>
+            <a:r>
+              <a:rPr lang="en-US" dirty="0" smtClean="0"/>
+              <a:t>.</a:t>
+            </a:r>
+          </a:p>
+        </p:txBody>
+      </p:sp>
+      <p:pic>
+        <p:nvPicPr>
+          <p:cNvPr id="3" name="Picture 2"/>
+          <p:cNvPicPr>
+            <a:picLocks noChangeAspect="1"/>
+          </p:cNvPicPr>
+          <p:nvPr/>
+        </p:nvPicPr>
+        <p:blipFill rotWithShape="1">
+          <a:blip r:embed="rId2"/>
+          <a:srcRect l="14995" t="28482" r="56894" b="45447"/>
+          <a:stretch/>
+        </p:blipFill>
+        <p:spPr>
+          <a:xfrm>
+            <a:off x="5456395" y="1935925"/>
+            <a:ext cx="5502338" cy="3341497"/>
+          </a:xfrm>
+          <a:prstGeom prst="rect">
+            <a:avLst/>
+          </a:prstGeom>
+        </p:spPr>
+      </p:pic>
+    </p:spTree>
+    <p:extLst>
+      <p:ext uri="{BB962C8B-B14F-4D97-AF65-F5344CB8AC3E}">
+        <p14:creationId xmlns:p14="http://schemas.microsoft.com/office/powerpoint/2010/main" val="1617646722"/>
+      </p:ext>
+    </p:extLst>
+  </p:cSld>
+  <p:clrMapOvr>
+    <a:masterClrMapping/>
+  </p:clrMapOvr>
+  <mc:AlternateContent xmlns:mc="http://schemas.openxmlformats.org/markup-compatibility/2006" xmlns:p14="http://schemas.microsoft.com/office/powerpoint/2010/main">
+    <mc:Choice Requires="p14">
+      <p:transition spd="med" p14:dur="700">
+        <p:fade/>
+      </p:transition>
+    </mc:Choice>
+    <mc:Fallback xmlns="">
+      <p:transition spd="med">
+        <p:fade/>
+      </p:transition>
+    </mc:Fallback>
+  </mc:AlternateContent>
+</p:sld>
+</file>
+
+<file path=ppt/slides/slide17.xml><?xml version="1.0" encoding="utf-8"?>
+<p:sld xmlns:a="http://schemas.openxmlformats.org/drawingml/2006/main" xmlns:r="http://schemas.openxmlformats.org/officeDocument/2006/relationships" xmlns:p="http://schemas.openxmlformats.org/presentationml/2006/main">
+  <p:cSld>
+    <p:spTree>
+      <p:nvGrpSpPr>
+        <p:cNvPr id="1" name=""/>
+        <p:cNvGrpSpPr/>
+        <p:nvPr/>
+      </p:nvGrpSpPr>
+      <p:grpSpPr>
+        <a:xfrm>
+          <a:off x="0" y="0"/>
+          <a:ext cx="0" cy="0"/>
+          <a:chOff x="0" y="0"/>
+          <a:chExt cx="0" cy="0"/>
+        </a:xfrm>
+      </p:grpSpPr>
+      <p:sp>
+        <p:nvSpPr>
+          <p:cNvPr id="5" name="Title 1"/>
+          <p:cNvSpPr>
+            <a:spLocks noGrp="1"/>
+          </p:cNvSpPr>
+          <p:nvPr>
+            <p:ph type="title"/>
+          </p:nvPr>
+        </p:nvSpPr>
+        <p:spPr>
+          <a:xfrm>
+            <a:off x="1193075" y="1021516"/>
+            <a:ext cx="10363200" cy="914400"/>
+          </a:xfrm>
+        </p:spPr>
+        <p:txBody>
+          <a:bodyPr/>
+          <a:lstStyle/>
+          <a:p>
+            <a:r>
+              <a:rPr lang="en-US" dirty="0" smtClean="0"/>
+              <a:t>Attrition Analysis…</a:t>
+            </a:r>
+            <a:endParaRPr lang="en-US" dirty="0"/>
+          </a:p>
+        </p:txBody>
+      </p:sp>
+      <p:sp>
+        <p:nvSpPr>
+          <p:cNvPr id="6" name="Content Placeholder 2"/>
+          <p:cNvSpPr txBox="1">
+            <a:spLocks/>
+          </p:cNvSpPr>
+          <p:nvPr/>
+        </p:nvSpPr>
+        <p:spPr>
+          <a:xfrm>
+            <a:off x="1193074" y="1935935"/>
+            <a:ext cx="4363663" cy="3341478"/>
+          </a:xfrm>
+          <a:prstGeom prst="rect">
+            <a:avLst/>
+          </a:prstGeom>
+        </p:spPr>
+        <p:txBody>
+          <a:bodyPr vert="horz">
+            <a:normAutofit lnSpcReduction="10000"/>
+          </a:bodyPr>
+          <a:lstStyle>
+            <a:lvl1pPr marL="411480" indent="-342900" algn="l" rtl="0" eaLnBrk="1" latinLnBrk="0" hangingPunct="1">
+              <a:spcBef>
+                <a:spcPts val="700"/>
+              </a:spcBef>
+              <a:buClr>
+                <a:schemeClr val="tx2"/>
+              </a:buClr>
+              <a:buSzPct val="95000"/>
+              <a:buFont typeface="Wingdings"/>
+              <a:buChar char=""/>
+              <a:defRPr kumimoji="0" sz="3000" kern="1200">
+                <a:solidFill>
+                  <a:schemeClr val="tx1"/>
+                </a:solidFill>
+                <a:latin typeface="+mn-lt"/>
+                <a:ea typeface="+mn-ea"/>
+                <a:cs typeface="+mn-cs"/>
+              </a:defRPr>
+            </a:lvl1pPr>
+            <a:lvl2pPr marL="740664" indent="-285750" algn="l" rtl="0" eaLnBrk="1" latinLnBrk="0" hangingPunct="1">
+              <a:spcBef>
+                <a:spcPct val="20000"/>
+              </a:spcBef>
+              <a:buClr>
+                <a:schemeClr val="accent2"/>
+              </a:buClr>
+              <a:buSzPct val="90000"/>
+              <a:buFont typeface="Wingdings"/>
+              <a:buChar char=""/>
+              <a:defRPr kumimoji="0" sz="2600" kern="1200">
+                <a:solidFill>
+                  <a:schemeClr val="tx1"/>
+                </a:solidFill>
+                <a:latin typeface="+mn-lt"/>
+                <a:ea typeface="+mn-ea"/>
+                <a:cs typeface="+mn-cs"/>
+              </a:defRPr>
+            </a:lvl2pPr>
+            <a:lvl3pPr marL="996696" indent="-228600" algn="l" rtl="0" eaLnBrk="1" latinLnBrk="0" hangingPunct="1">
+              <a:spcBef>
+                <a:spcPct val="20000"/>
+              </a:spcBef>
+              <a:buClr>
+                <a:schemeClr val="accent2"/>
+              </a:buClr>
+              <a:buFont typeface="Wingdings 2"/>
+              <a:buChar char=""/>
+              <a:defRPr kumimoji="0" sz="2400" kern="1200">
+                <a:solidFill>
+                  <a:schemeClr val="tx1"/>
+                </a:solidFill>
+                <a:latin typeface="+mn-lt"/>
+                <a:ea typeface="+mn-ea"/>
+                <a:cs typeface="+mn-cs"/>
+              </a:defRPr>
+            </a:lvl3pPr>
+            <a:lvl4pPr marL="1261872" indent="-228600" algn="l" rtl="0" eaLnBrk="1" latinLnBrk="0" hangingPunct="1">
+              <a:spcBef>
+                <a:spcPct val="20000"/>
+              </a:spcBef>
+              <a:buClr>
+                <a:schemeClr val="accent3"/>
+              </a:buClr>
+              <a:buFont typeface="Wingdings 3"/>
+              <a:buChar char=""/>
+              <a:defRPr kumimoji="0" sz="2200" kern="1200">
+                <a:solidFill>
+                  <a:schemeClr val="tx1"/>
+                </a:solidFill>
+                <a:latin typeface="+mn-lt"/>
+                <a:ea typeface="+mn-ea"/>
+                <a:cs typeface="+mn-cs"/>
+              </a:defRPr>
+            </a:lvl4pPr>
+            <a:lvl5pPr marL="1481328" indent="-210312" algn="l" rtl="0" eaLnBrk="1" latinLnBrk="0" hangingPunct="1">
+              <a:spcBef>
+                <a:spcPct val="20000"/>
+              </a:spcBef>
+              <a:buClr>
+                <a:schemeClr val="accent3"/>
+              </a:buClr>
+              <a:buFont typeface="Wingdings 2"/>
+              <a:buChar char=""/>
+              <a:defRPr kumimoji="0" sz="2000" kern="1200">
+                <a:solidFill>
+                  <a:schemeClr val="tx1"/>
+                </a:solidFill>
+                <a:latin typeface="+mn-lt"/>
+                <a:ea typeface="+mn-ea"/>
+                <a:cs typeface="+mn-cs"/>
+              </a:defRPr>
+            </a:lvl5pPr>
+            <a:lvl6pPr marL="1709928" indent="-210312" algn="l" rtl="0" eaLnBrk="1" latinLnBrk="0" hangingPunct="1">
+              <a:spcBef>
+                <a:spcPct val="20000"/>
+              </a:spcBef>
+              <a:buClr>
+                <a:schemeClr val="accent3"/>
+              </a:buClr>
+              <a:buFont typeface="Wingdings 2"/>
+              <a:buChar char=""/>
+              <a:defRPr kumimoji="0" sz="1800" kern="1200">
+                <a:solidFill>
+                  <a:schemeClr val="tx1"/>
+                </a:solidFill>
+                <a:latin typeface="+mn-lt"/>
+                <a:ea typeface="+mn-ea"/>
+                <a:cs typeface="+mn-cs"/>
+              </a:defRPr>
+            </a:lvl6pPr>
+            <a:lvl7pPr marL="1901952" indent="-182880" algn="l" rtl="0" eaLnBrk="1" latinLnBrk="0" hangingPunct="1">
+              <a:spcBef>
+                <a:spcPct val="20000"/>
+              </a:spcBef>
+              <a:buClr>
+                <a:schemeClr val="accent4"/>
+              </a:buClr>
+              <a:buFont typeface="Wingdings 2"/>
+              <a:buChar char=""/>
+              <a:defRPr kumimoji="0" sz="1600" kern="1200">
+                <a:solidFill>
+                  <a:schemeClr val="tx1"/>
+                </a:solidFill>
+                <a:latin typeface="+mn-lt"/>
+                <a:ea typeface="+mn-ea"/>
+                <a:cs typeface="+mn-cs"/>
+              </a:defRPr>
+            </a:lvl7pPr>
+            <a:lvl8pPr marL="2093976" indent="-182880" algn="l" rtl="0" eaLnBrk="1" latinLnBrk="0" hangingPunct="1">
+              <a:spcBef>
+                <a:spcPct val="20000"/>
+              </a:spcBef>
+              <a:buClr>
+                <a:schemeClr val="accent4"/>
+              </a:buClr>
+              <a:buFont typeface="Wingdings 2"/>
+              <a:buChar char=""/>
+              <a:defRPr kumimoji="0" sz="1600" kern="1200">
+                <a:solidFill>
+                  <a:schemeClr val="tx1"/>
+                </a:solidFill>
+                <a:latin typeface="+mn-lt"/>
+                <a:ea typeface="+mn-ea"/>
+                <a:cs typeface="+mn-cs"/>
+              </a:defRPr>
+            </a:lvl8pPr>
+            <a:lvl9pPr marL="2286000" indent="-182880" algn="l" rtl="0" eaLnBrk="1" latinLnBrk="0" hangingPunct="1">
+              <a:spcBef>
+                <a:spcPct val="20000"/>
+              </a:spcBef>
+              <a:buClr>
+                <a:schemeClr val="accent4"/>
+              </a:buClr>
+              <a:buFont typeface="Wingdings 2"/>
+              <a:buChar char=""/>
+              <a:defRPr kumimoji="0" sz="1600" kern="1200">
+                <a:solidFill>
+                  <a:schemeClr val="tx1"/>
+                </a:solidFill>
+                <a:latin typeface="+mn-lt"/>
+                <a:ea typeface="+mn-ea"/>
+                <a:cs typeface="+mn-cs"/>
+              </a:defRPr>
+            </a:lvl9pPr>
+            <a:extLst/>
+          </a:lstStyle>
+          <a:p>
+            <a:pPr marL="68580" indent="0">
+              <a:buNone/>
+            </a:pPr>
+            <a:r>
+              <a:rPr lang="en-US" dirty="0"/>
+              <a:t>conclusion :</a:t>
+            </a:r>
+          </a:p>
+          <a:p>
+            <a:r>
+              <a:rPr lang="en-US" dirty="0" smtClean="0"/>
+              <a:t>Employees </a:t>
+            </a:r>
+            <a:r>
+              <a:rPr lang="en-US" dirty="0"/>
+              <a:t>who </a:t>
+            </a:r>
+            <a:r>
+              <a:rPr lang="en-US" dirty="0" smtClean="0"/>
+              <a:t>are in the </a:t>
+            </a:r>
+            <a:r>
+              <a:rPr lang="en-US" b="1" dirty="0" smtClean="0"/>
+              <a:t>Sales</a:t>
+            </a:r>
+            <a:r>
+              <a:rPr lang="en-US" dirty="0" smtClean="0"/>
+              <a:t> department, especially in the </a:t>
+            </a:r>
+            <a:r>
+              <a:rPr lang="en-US" b="1" dirty="0" smtClean="0"/>
+              <a:t>Sales representative </a:t>
+            </a:r>
+            <a:r>
+              <a:rPr lang="en-US" dirty="0" smtClean="0"/>
+              <a:t>role, have the highest attrition rate.</a:t>
+            </a:r>
+          </a:p>
+        </p:txBody>
+      </p:sp>
+      <p:pic>
+        <p:nvPicPr>
+          <p:cNvPr id="3" name="Picture 2"/>
+          <p:cNvPicPr>
+            <a:picLocks noChangeAspect="1"/>
+          </p:cNvPicPr>
+          <p:nvPr/>
+        </p:nvPicPr>
+        <p:blipFill rotWithShape="1">
+          <a:blip r:embed="rId2"/>
+          <a:srcRect l="14717" t="55625" r="57172" b="15336"/>
+          <a:stretch/>
+        </p:blipFill>
+        <p:spPr>
+          <a:xfrm>
+            <a:off x="5683348" y="1935915"/>
+            <a:ext cx="5247249" cy="3341497"/>
+          </a:xfrm>
+          <a:prstGeom prst="rect">
+            <a:avLst/>
+          </a:prstGeom>
+        </p:spPr>
+      </p:pic>
+    </p:spTree>
+    <p:extLst>
+      <p:ext uri="{BB962C8B-B14F-4D97-AF65-F5344CB8AC3E}">
+        <p14:creationId xmlns:p14="http://schemas.microsoft.com/office/powerpoint/2010/main" val="2360699599"/>
+      </p:ext>
+    </p:extLst>
+  </p:cSld>
+  <p:clrMapOvr>
+    <a:masterClrMapping/>
+  </p:clrMapOvr>
+  <mc:AlternateContent xmlns:mc="http://schemas.openxmlformats.org/markup-compatibility/2006" xmlns:p14="http://schemas.microsoft.com/office/powerpoint/2010/main">
+    <mc:Choice Requires="p14">
+      <p:transition spd="med" p14:dur="700">
+        <p:fade/>
+      </p:transition>
+    </mc:Choice>
+    <mc:Fallback xmlns="">
+      <p:transition spd="med">
+        <p:fade/>
+      </p:transition>
+    </mc:Fallback>
+  </mc:AlternateContent>
+</p:sld>
+</file>
+
+<file path=ppt/slides/slide18.xml><?xml version="1.0" encoding="utf-8"?>
+<p:sld xmlns:a="http://schemas.openxmlformats.org/drawingml/2006/main" xmlns:r="http://schemas.openxmlformats.org/officeDocument/2006/relationships" xmlns:p="http://schemas.openxmlformats.org/presentationml/2006/main">
+  <p:cSld>
+    <p:spTree>
+      <p:nvGrpSpPr>
+        <p:cNvPr id="1" name=""/>
+        <p:cNvGrpSpPr/>
+        <p:nvPr/>
+      </p:nvGrpSpPr>
+      <p:grpSpPr>
+        <a:xfrm>
+          <a:off x="0" y="0"/>
+          <a:ext cx="0" cy="0"/>
+          <a:chOff x="0" y="0"/>
+          <a:chExt cx="0" cy="0"/>
+        </a:xfrm>
+      </p:grpSpPr>
+      <p:sp>
+        <p:nvSpPr>
+          <p:cNvPr id="5" name="Title 1"/>
+          <p:cNvSpPr>
+            <a:spLocks noGrp="1"/>
+          </p:cNvSpPr>
+          <p:nvPr>
+            <p:ph type="title"/>
+          </p:nvPr>
+        </p:nvSpPr>
+        <p:spPr>
+          <a:xfrm>
+            <a:off x="1193075" y="1021516"/>
+            <a:ext cx="10363200" cy="914400"/>
+          </a:xfrm>
+        </p:spPr>
+        <p:txBody>
+          <a:bodyPr/>
+          <a:lstStyle/>
+          <a:p>
+            <a:r>
+              <a:rPr lang="en-US" dirty="0" smtClean="0"/>
+              <a:t>Attrition Analysis…</a:t>
+            </a:r>
+            <a:endParaRPr lang="en-US" dirty="0"/>
+          </a:p>
+        </p:txBody>
+      </p:sp>
+      <p:sp>
+        <p:nvSpPr>
+          <p:cNvPr id="6" name="Content Placeholder 2"/>
+          <p:cNvSpPr txBox="1">
+            <a:spLocks/>
+          </p:cNvSpPr>
+          <p:nvPr/>
+        </p:nvSpPr>
+        <p:spPr>
+          <a:xfrm>
+            <a:off x="1193074" y="1935935"/>
+            <a:ext cx="4560612" cy="3341478"/>
           </a:xfrm>
           <a:prstGeom prst="rect">
             <a:avLst/>
@@ -5696,642 +6680,6 @@
           <a:p>
             <a:r>
               <a:rPr lang="en-US" dirty="0" smtClean="0"/>
-              <a:t>Employees who have a </a:t>
-            </a:r>
-            <a:r>
-              <a:rPr lang="en-US" b="1" dirty="0" smtClean="0"/>
-              <a:t>high salary</a:t>
-            </a:r>
-            <a:r>
-              <a:rPr lang="en-US" dirty="0" smtClean="0"/>
-              <a:t>, have the </a:t>
-            </a:r>
-            <a:r>
-              <a:rPr lang="en-US" b="1" dirty="0" smtClean="0"/>
-              <a:t>smallest attrition rate</a:t>
-            </a:r>
-            <a:r>
-              <a:rPr lang="en-US" dirty="0" smtClean="0"/>
-              <a:t>.</a:t>
-            </a:r>
-          </a:p>
-        </p:txBody>
-      </p:sp>
-      <p:pic>
-        <p:nvPicPr>
-          <p:cNvPr id="3" name="Picture 2"/>
-          <p:cNvPicPr>
-            <a:picLocks noChangeAspect="1"/>
-          </p:cNvPicPr>
-          <p:nvPr/>
-        </p:nvPicPr>
-        <p:blipFill rotWithShape="1">
-          <a:blip r:embed="rId2"/>
-          <a:srcRect l="14995" t="28482" r="56894" b="45447"/>
-          <a:stretch/>
-        </p:blipFill>
-        <p:spPr>
-          <a:xfrm>
-            <a:off x="5456395" y="1935925"/>
-            <a:ext cx="5502338" cy="3341497"/>
-          </a:xfrm>
-          <a:prstGeom prst="rect">
-            <a:avLst/>
-          </a:prstGeom>
-        </p:spPr>
-      </p:pic>
-    </p:spTree>
-    <p:extLst>
-      <p:ext uri="{BB962C8B-B14F-4D97-AF65-F5344CB8AC3E}">
-        <p14:creationId xmlns:p14="http://schemas.microsoft.com/office/powerpoint/2010/main" val="1617646722"/>
-      </p:ext>
-    </p:extLst>
-  </p:cSld>
-  <p:clrMapOvr>
-    <a:masterClrMapping/>
-  </p:clrMapOvr>
-  <mc:AlternateContent xmlns:mc="http://schemas.openxmlformats.org/markup-compatibility/2006" xmlns:p14="http://schemas.microsoft.com/office/powerpoint/2010/main">
-    <mc:Choice Requires="p14">
-      <p:transition spd="med" p14:dur="700">
-        <p:fade/>
-      </p:transition>
-    </mc:Choice>
-    <mc:Fallback xmlns="">
-      <p:transition spd="med">
-        <p:fade/>
-      </p:transition>
-    </mc:Fallback>
-  </mc:AlternateContent>
-</p:sld>
-</file>
-
-<file path=ppt/slides/slide16.xml><?xml version="1.0" encoding="utf-8"?>
-<p:sld xmlns:a="http://schemas.openxmlformats.org/drawingml/2006/main" xmlns:r="http://schemas.openxmlformats.org/officeDocument/2006/relationships" xmlns:p="http://schemas.openxmlformats.org/presentationml/2006/main">
-  <p:cSld>
-    <p:spTree>
-      <p:nvGrpSpPr>
-        <p:cNvPr id="1" name=""/>
-        <p:cNvGrpSpPr/>
-        <p:nvPr/>
-      </p:nvGrpSpPr>
-      <p:grpSpPr>
-        <a:xfrm>
-          <a:off x="0" y="0"/>
-          <a:ext cx="0" cy="0"/>
-          <a:chOff x="0" y="0"/>
-          <a:chExt cx="0" cy="0"/>
-        </a:xfrm>
-      </p:grpSpPr>
-      <p:sp>
-        <p:nvSpPr>
-          <p:cNvPr id="5" name="Title 1"/>
-          <p:cNvSpPr>
-            <a:spLocks noGrp="1"/>
-          </p:cNvSpPr>
-          <p:nvPr>
-            <p:ph type="title"/>
-          </p:nvPr>
-        </p:nvSpPr>
-        <p:spPr>
-          <a:xfrm>
-            <a:off x="1193075" y="1021516"/>
-            <a:ext cx="10363200" cy="914400"/>
-          </a:xfrm>
-        </p:spPr>
-        <p:txBody>
-          <a:bodyPr/>
-          <a:lstStyle/>
-          <a:p>
-            <a:r>
-              <a:rPr lang="en-US" dirty="0" smtClean="0"/>
-              <a:t>Attrition Analysis…</a:t>
-            </a:r>
-            <a:endParaRPr lang="en-US" dirty="0"/>
-          </a:p>
-        </p:txBody>
-      </p:sp>
-      <p:sp>
-        <p:nvSpPr>
-          <p:cNvPr id="6" name="Content Placeholder 2"/>
-          <p:cNvSpPr txBox="1">
-            <a:spLocks/>
-          </p:cNvSpPr>
-          <p:nvPr/>
-        </p:nvSpPr>
-        <p:spPr>
-          <a:xfrm>
-            <a:off x="1193074" y="1935935"/>
-            <a:ext cx="4363663" cy="3341478"/>
-          </a:xfrm>
-          <a:prstGeom prst="rect">
-            <a:avLst/>
-          </a:prstGeom>
-        </p:spPr>
-        <p:txBody>
-          <a:bodyPr vert="horz">
-            <a:normAutofit/>
-          </a:bodyPr>
-          <a:lstStyle>
-            <a:lvl1pPr marL="411480" indent="-342900" algn="l" rtl="0" eaLnBrk="1" latinLnBrk="0" hangingPunct="1">
-              <a:spcBef>
-                <a:spcPts val="700"/>
-              </a:spcBef>
-              <a:buClr>
-                <a:schemeClr val="tx2"/>
-              </a:buClr>
-              <a:buSzPct val="95000"/>
-              <a:buFont typeface="Wingdings"/>
-              <a:buChar char=""/>
-              <a:defRPr kumimoji="0" sz="3000" kern="1200">
-                <a:solidFill>
-                  <a:schemeClr val="tx1"/>
-                </a:solidFill>
-                <a:latin typeface="+mn-lt"/>
-                <a:ea typeface="+mn-ea"/>
-                <a:cs typeface="+mn-cs"/>
-              </a:defRPr>
-            </a:lvl1pPr>
-            <a:lvl2pPr marL="740664" indent="-285750" algn="l" rtl="0" eaLnBrk="1" latinLnBrk="0" hangingPunct="1">
-              <a:spcBef>
-                <a:spcPct val="20000"/>
-              </a:spcBef>
-              <a:buClr>
-                <a:schemeClr val="accent2"/>
-              </a:buClr>
-              <a:buSzPct val="90000"/>
-              <a:buFont typeface="Wingdings"/>
-              <a:buChar char=""/>
-              <a:defRPr kumimoji="0" sz="2600" kern="1200">
-                <a:solidFill>
-                  <a:schemeClr val="tx1"/>
-                </a:solidFill>
-                <a:latin typeface="+mn-lt"/>
-                <a:ea typeface="+mn-ea"/>
-                <a:cs typeface="+mn-cs"/>
-              </a:defRPr>
-            </a:lvl2pPr>
-            <a:lvl3pPr marL="996696" indent="-228600" algn="l" rtl="0" eaLnBrk="1" latinLnBrk="0" hangingPunct="1">
-              <a:spcBef>
-                <a:spcPct val="20000"/>
-              </a:spcBef>
-              <a:buClr>
-                <a:schemeClr val="accent2"/>
-              </a:buClr>
-              <a:buFont typeface="Wingdings 2"/>
-              <a:buChar char=""/>
-              <a:defRPr kumimoji="0" sz="2400" kern="1200">
-                <a:solidFill>
-                  <a:schemeClr val="tx1"/>
-                </a:solidFill>
-                <a:latin typeface="+mn-lt"/>
-                <a:ea typeface="+mn-ea"/>
-                <a:cs typeface="+mn-cs"/>
-              </a:defRPr>
-            </a:lvl3pPr>
-            <a:lvl4pPr marL="1261872" indent="-228600" algn="l" rtl="0" eaLnBrk="1" latinLnBrk="0" hangingPunct="1">
-              <a:spcBef>
-                <a:spcPct val="20000"/>
-              </a:spcBef>
-              <a:buClr>
-                <a:schemeClr val="accent3"/>
-              </a:buClr>
-              <a:buFont typeface="Wingdings 3"/>
-              <a:buChar char=""/>
-              <a:defRPr kumimoji="0" sz="2200" kern="1200">
-                <a:solidFill>
-                  <a:schemeClr val="tx1"/>
-                </a:solidFill>
-                <a:latin typeface="+mn-lt"/>
-                <a:ea typeface="+mn-ea"/>
-                <a:cs typeface="+mn-cs"/>
-              </a:defRPr>
-            </a:lvl4pPr>
-            <a:lvl5pPr marL="1481328" indent="-210312" algn="l" rtl="0" eaLnBrk="1" latinLnBrk="0" hangingPunct="1">
-              <a:spcBef>
-                <a:spcPct val="20000"/>
-              </a:spcBef>
-              <a:buClr>
-                <a:schemeClr val="accent3"/>
-              </a:buClr>
-              <a:buFont typeface="Wingdings 2"/>
-              <a:buChar char=""/>
-              <a:defRPr kumimoji="0" sz="2000" kern="1200">
-                <a:solidFill>
-                  <a:schemeClr val="tx1"/>
-                </a:solidFill>
-                <a:latin typeface="+mn-lt"/>
-                <a:ea typeface="+mn-ea"/>
-                <a:cs typeface="+mn-cs"/>
-              </a:defRPr>
-            </a:lvl5pPr>
-            <a:lvl6pPr marL="1709928" indent="-210312" algn="l" rtl="0" eaLnBrk="1" latinLnBrk="0" hangingPunct="1">
-              <a:spcBef>
-                <a:spcPct val="20000"/>
-              </a:spcBef>
-              <a:buClr>
-                <a:schemeClr val="accent3"/>
-              </a:buClr>
-              <a:buFont typeface="Wingdings 2"/>
-              <a:buChar char=""/>
-              <a:defRPr kumimoji="0" sz="1800" kern="1200">
-                <a:solidFill>
-                  <a:schemeClr val="tx1"/>
-                </a:solidFill>
-                <a:latin typeface="+mn-lt"/>
-                <a:ea typeface="+mn-ea"/>
-                <a:cs typeface="+mn-cs"/>
-              </a:defRPr>
-            </a:lvl6pPr>
-            <a:lvl7pPr marL="1901952" indent="-182880" algn="l" rtl="0" eaLnBrk="1" latinLnBrk="0" hangingPunct="1">
-              <a:spcBef>
-                <a:spcPct val="20000"/>
-              </a:spcBef>
-              <a:buClr>
-                <a:schemeClr val="accent4"/>
-              </a:buClr>
-              <a:buFont typeface="Wingdings 2"/>
-              <a:buChar char=""/>
-              <a:defRPr kumimoji="0" sz="1600" kern="1200">
-                <a:solidFill>
-                  <a:schemeClr val="tx1"/>
-                </a:solidFill>
-                <a:latin typeface="+mn-lt"/>
-                <a:ea typeface="+mn-ea"/>
-                <a:cs typeface="+mn-cs"/>
-              </a:defRPr>
-            </a:lvl7pPr>
-            <a:lvl8pPr marL="2093976" indent="-182880" algn="l" rtl="0" eaLnBrk="1" latinLnBrk="0" hangingPunct="1">
-              <a:spcBef>
-                <a:spcPct val="20000"/>
-              </a:spcBef>
-              <a:buClr>
-                <a:schemeClr val="accent4"/>
-              </a:buClr>
-              <a:buFont typeface="Wingdings 2"/>
-              <a:buChar char=""/>
-              <a:defRPr kumimoji="0" sz="1600" kern="1200">
-                <a:solidFill>
-                  <a:schemeClr val="tx1"/>
-                </a:solidFill>
-                <a:latin typeface="+mn-lt"/>
-                <a:ea typeface="+mn-ea"/>
-                <a:cs typeface="+mn-cs"/>
-              </a:defRPr>
-            </a:lvl8pPr>
-            <a:lvl9pPr marL="2286000" indent="-182880" algn="l" rtl="0" eaLnBrk="1" latinLnBrk="0" hangingPunct="1">
-              <a:spcBef>
-                <a:spcPct val="20000"/>
-              </a:spcBef>
-              <a:buClr>
-                <a:schemeClr val="accent4"/>
-              </a:buClr>
-              <a:buFont typeface="Wingdings 2"/>
-              <a:buChar char=""/>
-              <a:defRPr kumimoji="0" sz="1600" kern="1200">
-                <a:solidFill>
-                  <a:schemeClr val="tx1"/>
-                </a:solidFill>
-                <a:latin typeface="+mn-lt"/>
-                <a:ea typeface="+mn-ea"/>
-                <a:cs typeface="+mn-cs"/>
-              </a:defRPr>
-            </a:lvl9pPr>
-            <a:extLst/>
-          </a:lstStyle>
-          <a:p>
-            <a:pPr marL="68580" indent="0">
-              <a:buNone/>
-            </a:pPr>
-            <a:r>
-              <a:rPr lang="en-US" dirty="0"/>
-              <a:t>conclusion :</a:t>
-            </a:r>
-          </a:p>
-          <a:p>
-            <a:r>
-              <a:rPr lang="en-US" dirty="0" smtClean="0"/>
-              <a:t>Employees </a:t>
-            </a:r>
-            <a:r>
-              <a:rPr lang="en-US" dirty="0"/>
-              <a:t>who </a:t>
-            </a:r>
-            <a:r>
-              <a:rPr lang="en-US" dirty="0" smtClean="0"/>
-              <a:t>are in the </a:t>
-            </a:r>
-            <a:r>
-              <a:rPr lang="en-US" b="1" dirty="0" smtClean="0"/>
-              <a:t>Sales</a:t>
-            </a:r>
-            <a:r>
-              <a:rPr lang="en-US" dirty="0" smtClean="0"/>
-              <a:t> department, especially in the </a:t>
-            </a:r>
-            <a:r>
-              <a:rPr lang="en-US" b="1" dirty="0" smtClean="0"/>
-              <a:t>Sales representative </a:t>
-            </a:r>
-            <a:r>
-              <a:rPr lang="en-US" dirty="0" smtClean="0"/>
-              <a:t>role.</a:t>
-            </a:r>
-          </a:p>
-        </p:txBody>
-      </p:sp>
-      <p:pic>
-        <p:nvPicPr>
-          <p:cNvPr id="3" name="Picture 2"/>
-          <p:cNvPicPr>
-            <a:picLocks noChangeAspect="1"/>
-          </p:cNvPicPr>
-          <p:nvPr/>
-        </p:nvPicPr>
-        <p:blipFill rotWithShape="1">
-          <a:blip r:embed="rId2"/>
-          <a:srcRect l="14717" t="55625" r="57172" b="15336"/>
-          <a:stretch/>
-        </p:blipFill>
-        <p:spPr>
-          <a:xfrm>
-            <a:off x="5683348" y="1935915"/>
-            <a:ext cx="5247249" cy="3341497"/>
-          </a:xfrm>
-          <a:prstGeom prst="rect">
-            <a:avLst/>
-          </a:prstGeom>
-        </p:spPr>
-      </p:pic>
-    </p:spTree>
-    <p:extLst>
-      <p:ext uri="{BB962C8B-B14F-4D97-AF65-F5344CB8AC3E}">
-        <p14:creationId xmlns:p14="http://schemas.microsoft.com/office/powerpoint/2010/main" val="2360699599"/>
-      </p:ext>
-    </p:extLst>
-  </p:cSld>
-  <p:clrMapOvr>
-    <a:masterClrMapping/>
-  </p:clrMapOvr>
-  <mc:AlternateContent xmlns:mc="http://schemas.openxmlformats.org/markup-compatibility/2006" xmlns:p14="http://schemas.microsoft.com/office/powerpoint/2010/main">
-    <mc:Choice Requires="p14">
-      <p:transition spd="med" p14:dur="700">
-        <p:fade/>
-      </p:transition>
-    </mc:Choice>
-    <mc:Fallback xmlns="">
-      <p:transition spd="med">
-        <p:fade/>
-      </p:transition>
-    </mc:Fallback>
-  </mc:AlternateContent>
-</p:sld>
-</file>
-
-<file path=ppt/slides/slide17.xml><?xml version="1.0" encoding="utf-8"?>
-<p:sld xmlns:a="http://schemas.openxmlformats.org/drawingml/2006/main" xmlns:r="http://schemas.openxmlformats.org/officeDocument/2006/relationships" xmlns:p="http://schemas.openxmlformats.org/presentationml/2006/main">
-  <p:cSld>
-    <p:spTree>
-      <p:nvGrpSpPr>
-        <p:cNvPr id="1" name=""/>
-        <p:cNvGrpSpPr/>
-        <p:nvPr/>
-      </p:nvGrpSpPr>
-      <p:grpSpPr>
-        <a:xfrm>
-          <a:off x="0" y="0"/>
-          <a:ext cx="0" cy="0"/>
-          <a:chOff x="0" y="0"/>
-          <a:chExt cx="0" cy="0"/>
-        </a:xfrm>
-      </p:grpSpPr>
-      <p:sp>
-        <p:nvSpPr>
-          <p:cNvPr id="5" name="Title 1"/>
-          <p:cNvSpPr>
-            <a:spLocks noGrp="1"/>
-          </p:cNvSpPr>
-          <p:nvPr>
-            <p:ph type="title"/>
-          </p:nvPr>
-        </p:nvSpPr>
-        <p:spPr>
-          <a:xfrm>
-            <a:off x="1193075" y="1021516"/>
-            <a:ext cx="10363200" cy="914400"/>
-          </a:xfrm>
-        </p:spPr>
-        <p:txBody>
-          <a:bodyPr/>
-          <a:lstStyle/>
-          <a:p>
-            <a:r>
-              <a:rPr lang="en-US" dirty="0" smtClean="0"/>
-              <a:t>Attrition Analysis…</a:t>
-            </a:r>
-            <a:endParaRPr lang="en-US" dirty="0"/>
-          </a:p>
-        </p:txBody>
-      </p:sp>
-      <p:sp>
-        <p:nvSpPr>
-          <p:cNvPr id="6" name="Content Placeholder 2"/>
-          <p:cNvSpPr txBox="1">
-            <a:spLocks/>
-          </p:cNvSpPr>
-          <p:nvPr/>
-        </p:nvSpPr>
-        <p:spPr>
-          <a:xfrm>
-            <a:off x="1193074" y="1935935"/>
-            <a:ext cx="4560612" cy="3341478"/>
-          </a:xfrm>
-          <a:prstGeom prst="rect">
-            <a:avLst/>
-          </a:prstGeom>
-        </p:spPr>
-        <p:txBody>
-          <a:bodyPr vert="horz">
-            <a:normAutofit/>
-          </a:bodyPr>
-          <a:lstStyle>
-            <a:lvl1pPr marL="411480" indent="-342900" algn="l" rtl="0" eaLnBrk="1" latinLnBrk="0" hangingPunct="1">
-              <a:spcBef>
-                <a:spcPts val="700"/>
-              </a:spcBef>
-              <a:buClr>
-                <a:schemeClr val="tx2"/>
-              </a:buClr>
-              <a:buSzPct val="95000"/>
-              <a:buFont typeface="Wingdings"/>
-              <a:buChar char=""/>
-              <a:defRPr kumimoji="0" sz="3000" kern="1200">
-                <a:solidFill>
-                  <a:schemeClr val="tx1"/>
-                </a:solidFill>
-                <a:latin typeface="+mn-lt"/>
-                <a:ea typeface="+mn-ea"/>
-                <a:cs typeface="+mn-cs"/>
-              </a:defRPr>
-            </a:lvl1pPr>
-            <a:lvl2pPr marL="740664" indent="-285750" algn="l" rtl="0" eaLnBrk="1" latinLnBrk="0" hangingPunct="1">
-              <a:spcBef>
-                <a:spcPct val="20000"/>
-              </a:spcBef>
-              <a:buClr>
-                <a:schemeClr val="accent2"/>
-              </a:buClr>
-              <a:buSzPct val="90000"/>
-              <a:buFont typeface="Wingdings"/>
-              <a:buChar char=""/>
-              <a:defRPr kumimoji="0" sz="2600" kern="1200">
-                <a:solidFill>
-                  <a:schemeClr val="tx1"/>
-                </a:solidFill>
-                <a:latin typeface="+mn-lt"/>
-                <a:ea typeface="+mn-ea"/>
-                <a:cs typeface="+mn-cs"/>
-              </a:defRPr>
-            </a:lvl2pPr>
-            <a:lvl3pPr marL="996696" indent="-228600" algn="l" rtl="0" eaLnBrk="1" latinLnBrk="0" hangingPunct="1">
-              <a:spcBef>
-                <a:spcPct val="20000"/>
-              </a:spcBef>
-              <a:buClr>
-                <a:schemeClr val="accent2"/>
-              </a:buClr>
-              <a:buFont typeface="Wingdings 2"/>
-              <a:buChar char=""/>
-              <a:defRPr kumimoji="0" sz="2400" kern="1200">
-                <a:solidFill>
-                  <a:schemeClr val="tx1"/>
-                </a:solidFill>
-                <a:latin typeface="+mn-lt"/>
-                <a:ea typeface="+mn-ea"/>
-                <a:cs typeface="+mn-cs"/>
-              </a:defRPr>
-            </a:lvl3pPr>
-            <a:lvl4pPr marL="1261872" indent="-228600" algn="l" rtl="0" eaLnBrk="1" latinLnBrk="0" hangingPunct="1">
-              <a:spcBef>
-                <a:spcPct val="20000"/>
-              </a:spcBef>
-              <a:buClr>
-                <a:schemeClr val="accent3"/>
-              </a:buClr>
-              <a:buFont typeface="Wingdings 3"/>
-              <a:buChar char=""/>
-              <a:defRPr kumimoji="0" sz="2200" kern="1200">
-                <a:solidFill>
-                  <a:schemeClr val="tx1"/>
-                </a:solidFill>
-                <a:latin typeface="+mn-lt"/>
-                <a:ea typeface="+mn-ea"/>
-                <a:cs typeface="+mn-cs"/>
-              </a:defRPr>
-            </a:lvl4pPr>
-            <a:lvl5pPr marL="1481328" indent="-210312" algn="l" rtl="0" eaLnBrk="1" latinLnBrk="0" hangingPunct="1">
-              <a:spcBef>
-                <a:spcPct val="20000"/>
-              </a:spcBef>
-              <a:buClr>
-                <a:schemeClr val="accent3"/>
-              </a:buClr>
-              <a:buFont typeface="Wingdings 2"/>
-              <a:buChar char=""/>
-              <a:defRPr kumimoji="0" sz="2000" kern="1200">
-                <a:solidFill>
-                  <a:schemeClr val="tx1"/>
-                </a:solidFill>
-                <a:latin typeface="+mn-lt"/>
-                <a:ea typeface="+mn-ea"/>
-                <a:cs typeface="+mn-cs"/>
-              </a:defRPr>
-            </a:lvl5pPr>
-            <a:lvl6pPr marL="1709928" indent="-210312" algn="l" rtl="0" eaLnBrk="1" latinLnBrk="0" hangingPunct="1">
-              <a:spcBef>
-                <a:spcPct val="20000"/>
-              </a:spcBef>
-              <a:buClr>
-                <a:schemeClr val="accent3"/>
-              </a:buClr>
-              <a:buFont typeface="Wingdings 2"/>
-              <a:buChar char=""/>
-              <a:defRPr kumimoji="0" sz="1800" kern="1200">
-                <a:solidFill>
-                  <a:schemeClr val="tx1"/>
-                </a:solidFill>
-                <a:latin typeface="+mn-lt"/>
-                <a:ea typeface="+mn-ea"/>
-                <a:cs typeface="+mn-cs"/>
-              </a:defRPr>
-            </a:lvl6pPr>
-            <a:lvl7pPr marL="1901952" indent="-182880" algn="l" rtl="0" eaLnBrk="1" latinLnBrk="0" hangingPunct="1">
-              <a:spcBef>
-                <a:spcPct val="20000"/>
-              </a:spcBef>
-              <a:buClr>
-                <a:schemeClr val="accent4"/>
-              </a:buClr>
-              <a:buFont typeface="Wingdings 2"/>
-              <a:buChar char=""/>
-              <a:defRPr kumimoji="0" sz="1600" kern="1200">
-                <a:solidFill>
-                  <a:schemeClr val="tx1"/>
-                </a:solidFill>
-                <a:latin typeface="+mn-lt"/>
-                <a:ea typeface="+mn-ea"/>
-                <a:cs typeface="+mn-cs"/>
-              </a:defRPr>
-            </a:lvl7pPr>
-            <a:lvl8pPr marL="2093976" indent="-182880" algn="l" rtl="0" eaLnBrk="1" latinLnBrk="0" hangingPunct="1">
-              <a:spcBef>
-                <a:spcPct val="20000"/>
-              </a:spcBef>
-              <a:buClr>
-                <a:schemeClr val="accent4"/>
-              </a:buClr>
-              <a:buFont typeface="Wingdings 2"/>
-              <a:buChar char=""/>
-              <a:defRPr kumimoji="0" sz="1600" kern="1200">
-                <a:solidFill>
-                  <a:schemeClr val="tx1"/>
-                </a:solidFill>
-                <a:latin typeface="+mn-lt"/>
-                <a:ea typeface="+mn-ea"/>
-                <a:cs typeface="+mn-cs"/>
-              </a:defRPr>
-            </a:lvl8pPr>
-            <a:lvl9pPr marL="2286000" indent="-182880" algn="l" rtl="0" eaLnBrk="1" latinLnBrk="0" hangingPunct="1">
-              <a:spcBef>
-                <a:spcPct val="20000"/>
-              </a:spcBef>
-              <a:buClr>
-                <a:schemeClr val="accent4"/>
-              </a:buClr>
-              <a:buFont typeface="Wingdings 2"/>
-              <a:buChar char=""/>
-              <a:defRPr kumimoji="0" sz="1600" kern="1200">
-                <a:solidFill>
-                  <a:schemeClr val="tx1"/>
-                </a:solidFill>
-                <a:latin typeface="+mn-lt"/>
-                <a:ea typeface="+mn-ea"/>
-                <a:cs typeface="+mn-cs"/>
-              </a:defRPr>
-            </a:lvl9pPr>
-            <a:extLst/>
-          </a:lstStyle>
-          <a:p>
-            <a:pPr marL="68580" indent="0">
-              <a:buNone/>
-            </a:pPr>
-            <a:r>
-              <a:rPr lang="en-US" dirty="0"/>
-              <a:t>conclusion :</a:t>
-            </a:r>
-          </a:p>
-          <a:p>
-            <a:r>
-              <a:rPr lang="en-US" dirty="0" smtClean="0"/>
               <a:t>Employees who have </a:t>
             </a:r>
             <a:r>
@@ -6401,7 +6749,7 @@
 </p:sld>
 </file>
 
-<file path=ppt/slides/slide18.xml><?xml version="1.0" encoding="utf-8"?>
+<file path=ppt/slides/slide19.xml><?xml version="1.0" encoding="utf-8"?>
 <p:sld xmlns:a="http://schemas.openxmlformats.org/drawingml/2006/main" xmlns:r="http://schemas.openxmlformats.org/officeDocument/2006/relationships" xmlns:p="http://schemas.openxmlformats.org/presentationml/2006/main">
   <p:cSld>
     <p:spTree>
@@ -6655,11 +7003,11 @@
             </a:r>
             <a:r>
               <a:rPr lang="en-US" dirty="0" smtClean="0"/>
-              <a:t>and their </a:t>
+              <a:t>and whose </a:t>
             </a:r>
             <a:r>
               <a:rPr lang="en-US" b="1" dirty="0" smtClean="0"/>
-              <a:t>marital status are single</a:t>
+              <a:t>marital status is single</a:t>
             </a:r>
             <a:r>
               <a:rPr lang="en-US" dirty="0" smtClean="0"/>
@@ -6667,7 +7015,7 @@
             </a:r>
             <a:r>
               <a:rPr lang="en-US" b="1" dirty="0" smtClean="0"/>
-              <a:t>most attrition rate</a:t>
+              <a:t>highest attrition rate</a:t>
             </a:r>
             <a:r>
               <a:rPr lang="en-US" dirty="0" smtClean="0"/>
@@ -6724,7 +7072,254 @@
 </p:sld>
 </file>
 
-<file path=ppt/slides/slide19.xml><?xml version="1.0" encoding="utf-8"?>
+<file path=ppt/slides/slide2.xml><?xml version="1.0" encoding="utf-8"?>
+<p:sld xmlns:a="http://schemas.openxmlformats.org/drawingml/2006/main" xmlns:r="http://schemas.openxmlformats.org/officeDocument/2006/relationships" xmlns:p="http://schemas.openxmlformats.org/presentationml/2006/main">
+  <p:cSld>
+    <p:spTree>
+      <p:nvGrpSpPr>
+        <p:cNvPr id="1" name=""/>
+        <p:cNvGrpSpPr/>
+        <p:nvPr/>
+      </p:nvGrpSpPr>
+      <p:grpSpPr>
+        <a:xfrm>
+          <a:off x="0" y="0"/>
+          <a:ext cx="0" cy="0"/>
+          <a:chOff x="0" y="0"/>
+          <a:chExt cx="0" cy="0"/>
+        </a:xfrm>
+      </p:grpSpPr>
+      <p:sp>
+        <p:nvSpPr>
+          <p:cNvPr id="13" name="Title 12"/>
+          <p:cNvSpPr>
+            <a:spLocks noGrp="1"/>
+          </p:cNvSpPr>
+          <p:nvPr>
+            <p:ph type="title"/>
+          </p:nvPr>
+        </p:nvSpPr>
+        <p:spPr>
+          <a:xfrm>
+            <a:off x="1331741" y="1153551"/>
+            <a:ext cx="2776025" cy="914400"/>
+          </a:xfrm>
+        </p:spPr>
+        <p:txBody>
+          <a:bodyPr/>
+          <a:lstStyle/>
+          <a:p>
+            <a:r>
+              <a:rPr lang="en-US" dirty="0" smtClean="0"/>
+              <a:t>Content:</a:t>
+            </a:r>
+            <a:endParaRPr lang="en-US" dirty="0"/>
+          </a:p>
+        </p:txBody>
+      </p:sp>
+      <p:sp>
+        <p:nvSpPr>
+          <p:cNvPr id="14" name="Content Placeholder 13"/>
+          <p:cNvSpPr>
+            <a:spLocks noGrp="1"/>
+          </p:cNvSpPr>
+          <p:nvPr>
+            <p:ph idx="1"/>
+          </p:nvPr>
+        </p:nvSpPr>
+        <p:spPr>
+          <a:xfrm>
+            <a:off x="4107766" y="1055076"/>
+            <a:ext cx="7474634" cy="4811151"/>
+          </a:xfrm>
+        </p:spPr>
+        <p:txBody>
+          <a:bodyPr>
+            <a:normAutofit/>
+          </a:bodyPr>
+          <a:lstStyle/>
+          <a:p>
+            <a:pPr lvl="0"/>
+            <a:r>
+              <a:rPr lang="en-US" dirty="0" smtClean="0"/>
+              <a:t>Overview</a:t>
+            </a:r>
+          </a:p>
+          <a:p>
+            <a:pPr lvl="0"/>
+            <a:r>
+              <a:rPr lang="en-US" dirty="0" smtClean="0"/>
+              <a:t>Attrition meaning</a:t>
+            </a:r>
+          </a:p>
+          <a:p>
+            <a:pPr lvl="0"/>
+            <a:r>
+              <a:rPr lang="en-US" dirty="0"/>
+              <a:t>Data Analysis </a:t>
+            </a:r>
+            <a:r>
+              <a:rPr lang="en-US" dirty="0" smtClean="0"/>
+              <a:t>Process</a:t>
+            </a:r>
+          </a:p>
+          <a:p>
+            <a:pPr marL="1652778" lvl="4" indent="-514350">
+              <a:buClr>
+                <a:schemeClr val="accent5">
+                  <a:lumMod val="75000"/>
+                </a:schemeClr>
+              </a:buClr>
+              <a:buFont typeface="+mj-lt"/>
+              <a:buAutoNum type="arabicPeriod"/>
+            </a:pPr>
+            <a:r>
+              <a:rPr lang="en-US" sz="2400" dirty="0" smtClean="0"/>
+              <a:t>Ask</a:t>
+            </a:r>
+            <a:endParaRPr lang="en-US" sz="2400" dirty="0"/>
+          </a:p>
+          <a:p>
+            <a:pPr marL="1652778" lvl="4" indent="-514350">
+              <a:buClr>
+                <a:schemeClr val="accent5">
+                  <a:lumMod val="75000"/>
+                </a:schemeClr>
+              </a:buClr>
+              <a:buFont typeface="+mj-lt"/>
+              <a:buAutoNum type="arabicPeriod"/>
+            </a:pPr>
+            <a:r>
+              <a:rPr lang="en-US" sz="2400" dirty="0"/>
+              <a:t>P</a:t>
+            </a:r>
+            <a:r>
+              <a:rPr lang="en-US" sz="2400" dirty="0" smtClean="0"/>
+              <a:t>repare</a:t>
+            </a:r>
+          </a:p>
+          <a:p>
+            <a:pPr marL="1652778" lvl="4" indent="-514350">
+              <a:buClr>
+                <a:schemeClr val="accent5">
+                  <a:lumMod val="75000"/>
+                </a:schemeClr>
+              </a:buClr>
+              <a:buFont typeface="+mj-lt"/>
+              <a:buAutoNum type="arabicPeriod"/>
+            </a:pPr>
+            <a:r>
+              <a:rPr lang="en-US" sz="2400" dirty="0"/>
+              <a:t>P</a:t>
+            </a:r>
+            <a:r>
+              <a:rPr lang="en-US" sz="2400" dirty="0" smtClean="0"/>
+              <a:t>rocess</a:t>
+            </a:r>
+          </a:p>
+          <a:p>
+            <a:pPr marL="1652778" lvl="4" indent="-514350">
+              <a:buClr>
+                <a:schemeClr val="accent5">
+                  <a:lumMod val="75000"/>
+                </a:schemeClr>
+              </a:buClr>
+              <a:buFont typeface="+mj-lt"/>
+              <a:buAutoNum type="arabicPeriod"/>
+            </a:pPr>
+            <a:r>
+              <a:rPr lang="en-US" sz="2400" dirty="0" smtClean="0"/>
+              <a:t>Analyze</a:t>
+            </a:r>
+          </a:p>
+          <a:p>
+            <a:pPr marL="2228850" lvl="8" indent="-285750">
+              <a:buClr>
+                <a:schemeClr val="accent5">
+                  <a:lumMod val="75000"/>
+                </a:schemeClr>
+              </a:buClr>
+              <a:buFont typeface="Wingdings" panose="05000000000000000000" pitchFamily="2" charset="2"/>
+              <a:buChar char="Ø"/>
+            </a:pPr>
+            <a:r>
+              <a:rPr lang="en-US" dirty="0"/>
+              <a:t>Outliers</a:t>
+            </a:r>
+          </a:p>
+          <a:p>
+            <a:pPr marL="1138428" lvl="4" indent="0">
+              <a:buClr>
+                <a:schemeClr val="accent5">
+                  <a:lumMod val="75000"/>
+                </a:schemeClr>
+              </a:buClr>
+              <a:buNone/>
+            </a:pPr>
+            <a:endParaRPr lang="en-US" dirty="0" smtClean="0"/>
+          </a:p>
+          <a:p>
+            <a:pPr lvl="0"/>
+            <a:r>
+              <a:rPr lang="en-US" dirty="0" smtClean="0"/>
+              <a:t>Recommendations</a:t>
+            </a:r>
+          </a:p>
+          <a:p>
+            <a:pPr lvl="0"/>
+            <a:endParaRPr lang="en-US" dirty="0" smtClean="0"/>
+          </a:p>
+          <a:p>
+            <a:pPr lvl="0"/>
+            <a:endParaRPr lang="en-US" dirty="0" smtClean="0"/>
+          </a:p>
+          <a:p>
+            <a:pPr lvl="0"/>
+            <a:endParaRPr lang="en-US" dirty="0" smtClean="0"/>
+          </a:p>
+          <a:p>
+            <a:pPr lvl="0"/>
+            <a:endParaRPr lang="en-US" dirty="0" smtClean="0"/>
+          </a:p>
+          <a:p>
+            <a:pPr lvl="0"/>
+            <a:endParaRPr lang="en-US" dirty="0"/>
+          </a:p>
+        </p:txBody>
+      </p:sp>
+    </p:spTree>
+    <p:extLst>
+      <p:ext uri="{BB962C8B-B14F-4D97-AF65-F5344CB8AC3E}">
+        <p14:creationId xmlns:p14="http://schemas.microsoft.com/office/powerpoint/2010/main" val="2409311953"/>
+      </p:ext>
+    </p:extLst>
+  </p:cSld>
+  <p:clrMapOvr>
+    <a:masterClrMapping/>
+  </p:clrMapOvr>
+  <mc:AlternateContent xmlns:mc="http://schemas.openxmlformats.org/markup-compatibility/2006" xmlns:p14="http://schemas.microsoft.com/office/powerpoint/2010/main">
+    <mc:Choice Requires="p14">
+      <p:transition spd="med" p14:dur="700">
+        <p:fade/>
+      </p:transition>
+    </mc:Choice>
+    <mc:Fallback xmlns="">
+      <p:transition spd="med">
+        <p:fade/>
+      </p:transition>
+    </mc:Fallback>
+  </mc:AlternateContent>
+  <p:timing>
+    <p:tnLst>
+      <p:par>
+        <p:cTn id="1" dur="indefinite" restart="never" nodeType="tmRoot"/>
+      </p:par>
+    </p:tnLst>
+  </p:timing>
+</p:sld>
+</file>
+
+<file path=ppt/slides/slide20.xml><?xml version="1.0" encoding="utf-8"?>
 <p:sld xmlns:a="http://schemas.openxmlformats.org/drawingml/2006/main" xmlns:r="http://schemas.openxmlformats.org/officeDocument/2006/relationships" xmlns:p="http://schemas.openxmlformats.org/presentationml/2006/main">
   <p:cSld>
     <p:spTree>
@@ -6866,7 +7461,7 @@
 </p:sld>
 </file>
 
-<file path=ppt/slides/slide2.xml><?xml version="1.0" encoding="utf-8"?>
+<file path=ppt/slides/slide21.xml><?xml version="1.0" encoding="utf-8"?>
 <p:sld xmlns:a="http://schemas.openxmlformats.org/drawingml/2006/main" xmlns:r="http://schemas.openxmlformats.org/officeDocument/2006/relationships" xmlns:p="http://schemas.openxmlformats.org/presentationml/2006/main">
   <p:cSld>
     <p:spTree>
@@ -6885,182 +7480,6 @@
       </p:grpSpPr>
       <p:sp>
         <p:nvSpPr>
-          <p:cNvPr id="13" name="Title 12"/>
-          <p:cNvSpPr>
-            <a:spLocks noGrp="1"/>
-          </p:cNvSpPr>
-          <p:nvPr>
-            <p:ph type="title"/>
-          </p:nvPr>
-        </p:nvSpPr>
-        <p:spPr>
-          <a:xfrm>
-            <a:off x="1331741" y="1153551"/>
-            <a:ext cx="2776025" cy="914400"/>
-          </a:xfrm>
-        </p:spPr>
-        <p:txBody>
-          <a:bodyPr/>
-          <a:lstStyle/>
-          <a:p>
-            <a:r>
-              <a:rPr lang="en-US" dirty="0" smtClean="0"/>
-              <a:t>Content:</a:t>
-            </a:r>
-            <a:endParaRPr lang="en-US" dirty="0"/>
-          </a:p>
-        </p:txBody>
-      </p:sp>
-      <p:sp>
-        <p:nvSpPr>
-          <p:cNvPr id="14" name="Content Placeholder 13"/>
-          <p:cNvSpPr>
-            <a:spLocks noGrp="1"/>
-          </p:cNvSpPr>
-          <p:nvPr>
-            <p:ph idx="1"/>
-          </p:nvPr>
-        </p:nvSpPr>
-        <p:spPr>
-          <a:xfrm>
-            <a:off x="4754880" y="1055077"/>
-            <a:ext cx="6827520" cy="4572000"/>
-          </a:xfrm>
-        </p:spPr>
-        <p:txBody>
-          <a:bodyPr>
-            <a:normAutofit lnSpcReduction="10000"/>
-          </a:bodyPr>
-          <a:lstStyle/>
-          <a:p>
-            <a:pPr lvl="0"/>
-            <a:r>
-              <a:rPr lang="en-US" dirty="0" smtClean="0"/>
-              <a:t>Overview</a:t>
-            </a:r>
-          </a:p>
-          <a:p>
-            <a:pPr lvl="0"/>
-            <a:r>
-              <a:rPr lang="en-US" dirty="0" smtClean="0"/>
-              <a:t>Attrition</a:t>
-            </a:r>
-          </a:p>
-          <a:p>
-            <a:pPr lvl="0"/>
-            <a:r>
-              <a:rPr lang="en-US" dirty="0" smtClean="0"/>
-              <a:t>Dataset</a:t>
-            </a:r>
-          </a:p>
-          <a:p>
-            <a:pPr lvl="0"/>
-            <a:r>
-              <a:rPr lang="en-US" dirty="0" smtClean="0"/>
-              <a:t>Business objective</a:t>
-            </a:r>
-          </a:p>
-          <a:p>
-            <a:pPr lvl="0"/>
-            <a:r>
-              <a:rPr lang="en-US" dirty="0" smtClean="0"/>
-              <a:t>Data preparation</a:t>
-            </a:r>
-          </a:p>
-          <a:p>
-            <a:pPr lvl="0"/>
-            <a:r>
-              <a:rPr lang="en-US" dirty="0" smtClean="0"/>
-              <a:t>Data exploratory</a:t>
-            </a:r>
-          </a:p>
-          <a:p>
-            <a:pPr lvl="0"/>
-            <a:r>
-              <a:rPr lang="en-US" dirty="0" smtClean="0"/>
-              <a:t>Attrition analysis</a:t>
-            </a:r>
-          </a:p>
-          <a:p>
-            <a:pPr lvl="0"/>
-            <a:r>
-              <a:rPr lang="en-US" dirty="0" smtClean="0"/>
-              <a:t>Outliers</a:t>
-            </a:r>
-          </a:p>
-          <a:p>
-            <a:pPr lvl="0"/>
-            <a:r>
-              <a:rPr lang="en-US" dirty="0" smtClean="0"/>
-              <a:t>Recommendations</a:t>
-            </a:r>
-          </a:p>
-          <a:p>
-            <a:pPr lvl="0"/>
-            <a:endParaRPr lang="en-US" dirty="0" smtClean="0"/>
-          </a:p>
-          <a:p>
-            <a:pPr lvl="0"/>
-            <a:endParaRPr lang="en-US" dirty="0" smtClean="0"/>
-          </a:p>
-          <a:p>
-            <a:pPr lvl="0"/>
-            <a:endParaRPr lang="en-US" dirty="0" smtClean="0"/>
-          </a:p>
-          <a:p>
-            <a:pPr lvl="0"/>
-            <a:endParaRPr lang="en-US" dirty="0" smtClean="0"/>
-          </a:p>
-          <a:p>
-            <a:pPr lvl="0"/>
-            <a:endParaRPr lang="en-US" dirty="0"/>
-          </a:p>
-        </p:txBody>
-      </p:sp>
-    </p:spTree>
-    <p:extLst>
-      <p:ext uri="{BB962C8B-B14F-4D97-AF65-F5344CB8AC3E}">
-        <p14:creationId xmlns:p14="http://schemas.microsoft.com/office/powerpoint/2010/main" val="2409311953"/>
-      </p:ext>
-    </p:extLst>
-  </p:cSld>
-  <p:clrMapOvr>
-    <a:masterClrMapping/>
-  </p:clrMapOvr>
-  <mc:AlternateContent xmlns:mc="http://schemas.openxmlformats.org/markup-compatibility/2006" xmlns:p14="http://schemas.microsoft.com/office/powerpoint/2010/main">
-    <mc:Choice Requires="p14">
-      <p:transition spd="med" p14:dur="700">
-        <p:fade/>
-      </p:transition>
-    </mc:Choice>
-    <mc:Fallback xmlns="">
-      <p:transition spd="med">
-        <p:fade/>
-      </p:transition>
-    </mc:Fallback>
-  </mc:AlternateContent>
-</p:sld>
-</file>
-
-<file path=ppt/slides/slide20.xml><?xml version="1.0" encoding="utf-8"?>
-<p:sld xmlns:a="http://schemas.openxmlformats.org/drawingml/2006/main" xmlns:r="http://schemas.openxmlformats.org/officeDocument/2006/relationships" xmlns:p="http://schemas.openxmlformats.org/presentationml/2006/main">
-  <p:cSld>
-    <p:spTree>
-      <p:nvGrpSpPr>
-        <p:cNvPr id="1" name=""/>
-        <p:cNvGrpSpPr/>
-        <p:nvPr/>
-      </p:nvGrpSpPr>
-      <p:grpSpPr>
-        <a:xfrm>
-          <a:off x="0" y="0"/>
-          <a:ext cx="0" cy="0"/>
-          <a:chOff x="0" y="0"/>
-          <a:chExt cx="0" cy="0"/>
-        </a:xfrm>
-      </p:grpSpPr>
-      <p:sp>
-        <p:nvSpPr>
           <p:cNvPr id="2" name="Title 1"/>
           <p:cNvSpPr>
             <a:spLocks noGrp="1"/>
@@ -7112,13 +7531,13 @@
               <a:t>But there are outliers </a:t>
             </a:r>
             <a:r>
-              <a:rPr lang="en-PH" smtClean="0"/>
+              <a:rPr lang="en-PH" dirty="0" smtClean="0"/>
               <a:t>when we group attrition with another factor.</a:t>
             </a:r>
           </a:p>
           <a:p>
             <a:r>
-              <a:rPr lang="en-US" smtClean="0"/>
+              <a:rPr lang="en-US" dirty="0" smtClean="0"/>
               <a:t>For example:</a:t>
             </a:r>
           </a:p>
@@ -7141,7 +7560,7 @@
             </a:r>
             <a:r>
               <a:rPr lang="en-US" dirty="0" smtClean="0"/>
-              <a:t>   - years science last 	promotion.</a:t>
+              <a:t>   - years since the last 	promotion.</a:t>
             </a:r>
           </a:p>
         </p:txBody>
@@ -7194,7 +7613,7 @@
 </p:sld>
 </file>
 
-<file path=ppt/slides/slide21.xml><?xml version="1.0" encoding="utf-8"?>
+<file path=ppt/slides/slide22.xml><?xml version="1.0" encoding="utf-8"?>
 <p:sld xmlns:a="http://schemas.openxmlformats.org/drawingml/2006/main" xmlns:r="http://schemas.openxmlformats.org/officeDocument/2006/relationships" xmlns:p="http://schemas.openxmlformats.org/presentationml/2006/main">
   <p:cSld>
     <p:spTree>
@@ -7313,151 +7732,6 @@
 </p:sld>
 </file>
 
-<file path=ppt/slides/slide22.xml><?xml version="1.0" encoding="utf-8"?>
-<p:sld xmlns:a="http://schemas.openxmlformats.org/drawingml/2006/main" xmlns:r="http://schemas.openxmlformats.org/officeDocument/2006/relationships" xmlns:p="http://schemas.openxmlformats.org/presentationml/2006/main">
-  <p:cSld>
-    <p:spTree>
-      <p:nvGrpSpPr>
-        <p:cNvPr id="1" name=""/>
-        <p:cNvGrpSpPr/>
-        <p:nvPr/>
-      </p:nvGrpSpPr>
-      <p:grpSpPr>
-        <a:xfrm>
-          <a:off x="0" y="0"/>
-          <a:ext cx="0" cy="0"/>
-          <a:chOff x="0" y="0"/>
-          <a:chExt cx="0" cy="0"/>
-        </a:xfrm>
-      </p:grpSpPr>
-      <p:sp>
-        <p:nvSpPr>
-          <p:cNvPr id="2" name="Title 1"/>
-          <p:cNvSpPr>
-            <a:spLocks noGrp="1"/>
-          </p:cNvSpPr>
-          <p:nvPr>
-            <p:ph type="title"/>
-          </p:nvPr>
-        </p:nvSpPr>
-        <p:spPr>
-          <a:xfrm>
-            <a:off x="1219200" y="1046636"/>
-            <a:ext cx="10972800" cy="914400"/>
-          </a:xfrm>
-        </p:spPr>
-        <p:txBody>
-          <a:bodyPr/>
-          <a:lstStyle/>
-          <a:p>
-            <a:r>
-              <a:rPr lang="en-US" dirty="0" smtClean="0"/>
-              <a:t>Recommendations…</a:t>
-            </a:r>
-            <a:endParaRPr lang="en-US" dirty="0"/>
-          </a:p>
-        </p:txBody>
-      </p:sp>
-      <p:sp>
-        <p:nvSpPr>
-          <p:cNvPr id="10" name="Content Placeholder 9"/>
-          <p:cNvSpPr>
-            <a:spLocks noGrp="1"/>
-          </p:cNvSpPr>
-          <p:nvPr>
-            <p:ph sz="half" idx="1"/>
-          </p:nvPr>
-        </p:nvSpPr>
-        <p:spPr>
-          <a:xfrm>
-            <a:off x="1219199" y="1770503"/>
-            <a:ext cx="9598855" cy="3926912"/>
-          </a:xfrm>
-        </p:spPr>
-        <p:txBody>
-          <a:bodyPr>
-            <a:normAutofit/>
-          </a:bodyPr>
-          <a:lstStyle/>
-          <a:p>
-            <a:pPr marL="68580" indent="0">
-              <a:buNone/>
-            </a:pPr>
-            <a:r>
-              <a:rPr lang="en-US" dirty="0"/>
-              <a:t>To have a low attrition </a:t>
-            </a:r>
-            <a:r>
-              <a:rPr lang="en-US" dirty="0" smtClean="0"/>
-              <a:t>rate, it </a:t>
-            </a:r>
-            <a:r>
-              <a:rPr lang="en-US" dirty="0"/>
-              <a:t>is important for </a:t>
-            </a:r>
-            <a:r>
-              <a:rPr lang="en-US" dirty="0" smtClean="0"/>
-              <a:t>a company </a:t>
-            </a:r>
-            <a:r>
-              <a:rPr lang="en-US" dirty="0"/>
-              <a:t>to</a:t>
-            </a:r>
-            <a:r>
-              <a:rPr lang="en-US" dirty="0" smtClean="0"/>
-              <a:t>:</a:t>
-            </a:r>
-          </a:p>
-          <a:p>
-            <a:r>
-              <a:rPr lang="en-US" dirty="0" smtClean="0"/>
-              <a:t> </a:t>
-            </a:r>
-            <a:r>
-              <a:rPr lang="en-US" dirty="0"/>
-              <a:t>Fairly pay employees in different job roles, in proportion to the average payment in the job market.</a:t>
-            </a:r>
-          </a:p>
-          <a:p>
-            <a:r>
-              <a:rPr lang="en-US" dirty="0" smtClean="0"/>
-              <a:t>consider </a:t>
-            </a:r>
-            <a:r>
-              <a:rPr lang="en-US" dirty="0"/>
-              <a:t>deeper into the sales department, especially the Sales representative role to understand the reasons for attrition and solve these reasons. For example: increase the payment, and sure that that working overtime is being paid.</a:t>
-            </a:r>
-          </a:p>
-          <a:p>
-            <a:endParaRPr lang="en-US" dirty="0"/>
-          </a:p>
-        </p:txBody>
-      </p:sp>
-    </p:spTree>
-    <p:extLst>
-      <p:ext uri="{BB962C8B-B14F-4D97-AF65-F5344CB8AC3E}">
-        <p14:creationId xmlns:p14="http://schemas.microsoft.com/office/powerpoint/2010/main" val="1486278716"/>
-      </p:ext>
-    </p:extLst>
-  </p:cSld>
-  <p:clrMapOvr>
-    <a:masterClrMapping/>
-  </p:clrMapOvr>
-  <mc:AlternateContent xmlns:mc="http://schemas.openxmlformats.org/markup-compatibility/2006" xmlns:p14="http://schemas.microsoft.com/office/powerpoint/2010/main">
-    <mc:Choice Requires="p14">
-      <p:transition spd="med" p14:dur="700">
-        <p:fade/>
-      </p:transition>
-    </mc:Choice>
-    <mc:Fallback xmlns="">
-      <p:transition spd="med">
-        <p:fade/>
-      </p:transition>
-    </mc:Fallback>
-  </mc:AlternateContent>
-</p:sld>
-</file>
-
 <file path=ppt/slides/slide23.xml><?xml version="1.0" encoding="utf-8"?>
 <p:sld xmlns:a="http://schemas.openxmlformats.org/drawingml/2006/main" xmlns:r="http://schemas.openxmlformats.org/officeDocument/2006/relationships" xmlns:p="http://schemas.openxmlformats.org/presentationml/2006/main">
   <p:cSld>
@@ -7525,32 +7799,60 @@
           </a:bodyPr>
           <a:lstStyle/>
           <a:p>
+            <a:pPr marL="68580" indent="0">
+              <a:buNone/>
+            </a:pPr>
+            <a:r>
+              <a:rPr lang="en-US" dirty="0"/>
+              <a:t>To have a low attrition </a:t>
+            </a:r>
             <a:r>
               <a:rPr lang="en-US" dirty="0" smtClean="0"/>
-              <a:t>consider </a:t>
+              <a:t>rate, it </a:t>
             </a:r>
             <a:r>
               <a:rPr lang="en-US" dirty="0"/>
-              <a:t>the employees' environmental satisfaction, by discussing the reasons for this low satisfaction with them and solve these reasons. Frequent communication and one-on-ones are strongly recommended.</a:t>
-            </a:r>
-          </a:p>
-          <a:p>
+              <a:t>is important for </a:t>
+            </a:r>
             <a:r>
               <a:rPr lang="en-US" dirty="0" smtClean="0"/>
-              <a:t>care </a:t>
+              <a:t>a company </a:t>
             </a:r>
             <a:r>
               <a:rPr lang="en-US" dirty="0"/>
-              <a:t>about juniors in the team, especially those who are single by </a:t>
+              <a:t>to</a:t>
             </a:r>
             <a:r>
               <a:rPr lang="en-US" dirty="0" smtClean="0"/>
-              <a:t>increasing </a:t>
+              <a:t>:</a:t>
+            </a:r>
+          </a:p>
+          <a:p>
+            <a:r>
+              <a:rPr lang="en-US" dirty="0" smtClean="0"/>
+              <a:t> </a:t>
             </a:r>
             <a:r>
               <a:rPr lang="en-US" dirty="0"/>
-              <a:t>the learning curve, activities, and awards.</a:t>
-            </a:r>
+              <a:t>Fairly pay employees in different job roles, in proportion to the average payment in the job market.</a:t>
+            </a:r>
+          </a:p>
+          <a:p>
+            <a:r>
+              <a:rPr lang="en-US" dirty="0" smtClean="0"/>
+              <a:t>Deeper consideration </a:t>
+            </a:r>
+            <a:r>
+              <a:rPr lang="en-US" dirty="0"/>
+              <a:t>into </a:t>
+            </a:r>
+            <a:r>
+              <a:rPr lang="en-US" dirty="0" smtClean="0"/>
+              <a:t>the sales department, especially the Sales representative role to understand the causes of attrition and resolve them. For example: increase the payment, and make sure that their working overtime is being paid.</a:t>
+            </a:r>
+            <a:endParaRPr lang="en-US" dirty="0"/>
+          </a:p>
+          <a:p>
             <a:endParaRPr lang="en-US" dirty="0"/>
           </a:p>
         </p:txBody>
@@ -7558,7 +7860,7 @@
     </p:spTree>
     <p:extLst>
       <p:ext uri="{BB962C8B-B14F-4D97-AF65-F5344CB8AC3E}">
-        <p14:creationId xmlns:p14="http://schemas.microsoft.com/office/powerpoint/2010/main" val="2487859655"/>
+        <p14:creationId xmlns:p14="http://schemas.microsoft.com/office/powerpoint/2010/main" val="1486278716"/>
       </p:ext>
     </p:extLst>
   </p:cSld>
@@ -7609,6 +7911,143 @@
         </p:nvSpPr>
         <p:spPr>
           <a:xfrm>
+            <a:off x="1219200" y="1046636"/>
+            <a:ext cx="10972800" cy="914400"/>
+          </a:xfrm>
+        </p:spPr>
+        <p:txBody>
+          <a:bodyPr/>
+          <a:lstStyle/>
+          <a:p>
+            <a:r>
+              <a:rPr lang="en-US" dirty="0" smtClean="0"/>
+              <a:t>Recommendations…</a:t>
+            </a:r>
+            <a:endParaRPr lang="en-US" dirty="0"/>
+          </a:p>
+        </p:txBody>
+      </p:sp>
+      <p:sp>
+        <p:nvSpPr>
+          <p:cNvPr id="10" name="Content Placeholder 9"/>
+          <p:cNvSpPr>
+            <a:spLocks noGrp="1"/>
+          </p:cNvSpPr>
+          <p:nvPr>
+            <p:ph sz="half" idx="1"/>
+          </p:nvPr>
+        </p:nvSpPr>
+        <p:spPr>
+          <a:xfrm>
+            <a:off x="1219199" y="1770503"/>
+            <a:ext cx="9598855" cy="3926912"/>
+          </a:xfrm>
+        </p:spPr>
+        <p:txBody>
+          <a:bodyPr>
+            <a:normAutofit/>
+          </a:bodyPr>
+          <a:lstStyle/>
+          <a:p>
+            <a:r>
+              <a:rPr lang="en-US" dirty="0" smtClean="0"/>
+              <a:t>consider </a:t>
+            </a:r>
+            <a:r>
+              <a:rPr lang="en-US" dirty="0"/>
+              <a:t>the employees' environmental satisfaction, by discussing the reasons for this low satisfaction with them and </a:t>
+            </a:r>
+            <a:r>
+              <a:rPr lang="en-US" dirty="0" smtClean="0"/>
+              <a:t>resolve them. </a:t>
+            </a:r>
+            <a:r>
+              <a:rPr lang="en-US" dirty="0"/>
+              <a:t>Frequent and one-to-one </a:t>
+            </a:r>
+            <a:r>
+              <a:rPr lang="en-US" dirty="0" smtClean="0"/>
+              <a:t>communication is </a:t>
+            </a:r>
+            <a:r>
+              <a:rPr lang="en-US" dirty="0"/>
+              <a:t>strongly recommended.</a:t>
+            </a:r>
+          </a:p>
+          <a:p>
+            <a:r>
+              <a:rPr lang="en-US" dirty="0" smtClean="0"/>
+              <a:t>care </a:t>
+            </a:r>
+            <a:r>
+              <a:rPr lang="en-US" dirty="0"/>
+              <a:t>about juniors in the team, especially those who are single by </a:t>
+            </a:r>
+            <a:r>
+              <a:rPr lang="en-US" dirty="0" smtClean="0"/>
+              <a:t>increasing </a:t>
+            </a:r>
+            <a:r>
+              <a:rPr lang="en-US" dirty="0"/>
+              <a:t>the learning curve, activities, and awards.</a:t>
+            </a:r>
+          </a:p>
+        </p:txBody>
+      </p:sp>
+    </p:spTree>
+    <p:extLst>
+      <p:ext uri="{BB962C8B-B14F-4D97-AF65-F5344CB8AC3E}">
+        <p14:creationId xmlns:p14="http://schemas.microsoft.com/office/powerpoint/2010/main" val="2487859655"/>
+      </p:ext>
+    </p:extLst>
+  </p:cSld>
+  <p:clrMapOvr>
+    <a:masterClrMapping/>
+  </p:clrMapOvr>
+  <mc:AlternateContent xmlns:mc="http://schemas.openxmlformats.org/markup-compatibility/2006" xmlns:p14="http://schemas.microsoft.com/office/powerpoint/2010/main">
+    <mc:Choice Requires="p14">
+      <p:transition spd="med" p14:dur="700">
+        <p:fade/>
+      </p:transition>
+    </mc:Choice>
+    <mc:Fallback xmlns="">
+      <p:transition spd="med">
+        <p:fade/>
+      </p:transition>
+    </mc:Fallback>
+  </mc:AlternateContent>
+</p:sld>
+</file>
+
+<file path=ppt/slides/slide25.xml><?xml version="1.0" encoding="utf-8"?>
+<p:sld xmlns:a="http://schemas.openxmlformats.org/drawingml/2006/main" xmlns:r="http://schemas.openxmlformats.org/officeDocument/2006/relationships" xmlns:p="http://schemas.openxmlformats.org/presentationml/2006/main">
+  <p:cSld>
+    <p:spTree>
+      <p:nvGrpSpPr>
+        <p:cNvPr id="1" name=""/>
+        <p:cNvGrpSpPr/>
+        <p:nvPr/>
+      </p:nvGrpSpPr>
+      <p:grpSpPr>
+        <a:xfrm>
+          <a:off x="0" y="0"/>
+          <a:ext cx="0" cy="0"/>
+          <a:chOff x="0" y="0"/>
+          <a:chExt cx="0" cy="0"/>
+        </a:xfrm>
+      </p:grpSpPr>
+      <p:sp>
+        <p:nvSpPr>
+          <p:cNvPr id="2" name="Title 1"/>
+          <p:cNvSpPr>
+            <a:spLocks noGrp="1"/>
+          </p:cNvSpPr>
+          <p:nvPr>
+            <p:ph type="title"/>
+          </p:nvPr>
+        </p:nvSpPr>
+        <p:spPr>
+          <a:xfrm>
             <a:off x="4876800" y="4141528"/>
             <a:ext cx="2058572" cy="914400"/>
           </a:xfrm>
@@ -7662,7 +8101,6 @@
               <a:rPr lang="en-US" dirty="0"/>
               <a:t>employee attrition in the future with those recommendations.</a:t>
             </a:r>
-            <a:endParaRPr lang="en-US" dirty="0"/>
           </a:p>
         </p:txBody>
       </p:sp>
@@ -7732,7 +8170,6 @@
               <a:rPr lang="en-US" dirty="0"/>
               <a:t>Overview </a:t>
             </a:r>
-            <a:endParaRPr lang="en-US" dirty="0"/>
           </a:p>
         </p:txBody>
       </p:sp>
@@ -7758,7 +8195,31 @@
           <a:p>
             <a:r>
               <a:rPr lang="en-US" dirty="0"/>
-              <a:t>This dataset is from IBM HR Analytics Employee Attrition &amp; Performance. It has 35 features </a:t>
+              <a:t>This dataset is from </a:t>
+            </a:r>
+            <a:r>
+              <a:rPr lang="en-US" dirty="0" smtClean="0"/>
+              <a:t>IBM to analyze the </a:t>
+            </a:r>
+            <a:r>
+              <a:rPr lang="en-US" dirty="0"/>
+              <a:t>HR e</a:t>
+            </a:r>
+            <a:r>
+              <a:rPr lang="en-US" dirty="0" smtClean="0"/>
+              <a:t>mployee </a:t>
+            </a:r>
+            <a:r>
+              <a:rPr lang="en-US" dirty="0"/>
+              <a:t>a</a:t>
+            </a:r>
+            <a:r>
+              <a:rPr lang="en-US" dirty="0" smtClean="0"/>
+              <a:t>ttrition and performance</a:t>
+            </a:r>
+            <a:r>
+              <a:rPr lang="en-US" dirty="0"/>
+              <a:t>. It has 35 features </a:t>
             </a:r>
             <a:r>
               <a:rPr lang="en-US" dirty="0" smtClean="0"/>
@@ -7774,7 +8235,15 @@
             </a:r>
             <a:r>
               <a:rPr lang="en-US" dirty="0"/>
-              <a:t>with whether they are still in </a:t>
+              <a:t>with </a:t>
+            </a:r>
+            <a:r>
+              <a:rPr lang="en-US" dirty="0" smtClean="0"/>
+              <a:t>if </a:t>
+            </a:r>
+            <a:r>
+              <a:rPr lang="en-US" dirty="0"/>
+              <a:t>they are still in </a:t>
             </a:r>
             <a:r>
               <a:rPr lang="en-US" dirty="0" smtClean="0"/>
@@ -7782,7 +8251,11 @@
             </a:r>
             <a:r>
               <a:rPr lang="en-US" dirty="0"/>
-              <a:t>or whether they have gone to work somewhere else. </a:t>
+              <a:t>or </a:t>
+            </a:r>
+            <a:r>
+              <a:rPr lang="en-US" dirty="0" smtClean="0"/>
+              <a:t>not. </a:t>
             </a:r>
             <a:endParaRPr lang="en-PH" dirty="0"/>
           </a:p>
@@ -7810,6 +8283,13 @@
       </p:transition>
     </mc:Fallback>
   </mc:AlternateContent>
+  <p:timing>
+    <p:tnLst>
+      <p:par>
+        <p:cTn id="1" dur="indefinite" restart="never" nodeType="tmRoot"/>
+      </p:par>
+    </p:tnLst>
+  </p:timing>
 </p:sld>
 </file>
 
@@ -7851,10 +8331,16 @@
           <a:lstStyle/>
           <a:p>
             <a:r>
-              <a:rPr lang="en-US" dirty="0" smtClean="0"/>
-              <a:t>Attrition </a:t>
-            </a:r>
-            <a:endParaRPr lang="en-US" dirty="0"/>
+              <a:rPr lang="en-US" dirty="0"/>
+              <a:t>Attrition meaning</a:t>
+            </a:r>
+            <a:br>
+              <a:rPr lang="en-US" dirty="0"/>
+            </a:br>
+            <a:r>
+              <a:rPr lang="en-US" dirty="0"/>
+              <a:t> </a:t>
+            </a:r>
           </a:p>
         </p:txBody>
       </p:sp>
@@ -7876,27 +8362,46 @@
         </p:spPr>
         <p:txBody>
           <a:bodyPr>
-            <a:normAutofit fontScale="92500" lnSpcReduction="10000"/>
+            <a:normAutofit/>
           </a:bodyPr>
           <a:lstStyle/>
           <a:p>
             <a:r>
-              <a:rPr lang="en-US" dirty="0"/>
-              <a:t>Employee attrition refers to the deliberate downsizing of a company's workforce. Downsizing happens when employees resign or retire.</a:t>
-            </a:r>
-          </a:p>
-          <a:p>
-            <a:r>
-              <a:rPr lang="en-US" dirty="0"/>
-              <a:t>There are a number of reasons why employee attrition takes place.</a:t>
-            </a:r>
-          </a:p>
-          <a:p>
-            <a:r>
-              <a:rPr lang="en-US" dirty="0" smtClean="0"/>
-              <a:t>Examples:</a:t>
-            </a:r>
-            <a:endParaRPr lang="en-US" dirty="0"/>
+              <a:rPr lang="en-US" sz="2800" dirty="0"/>
+              <a:t>Employee attrition refers to the deliberate downsizing of a company's workforce. </a:t>
+            </a:r>
+            <a:endParaRPr lang="en-US" sz="2800" dirty="0" smtClean="0"/>
+          </a:p>
+          <a:p>
+            <a:r>
+              <a:rPr lang="en-US" sz="2800" dirty="0" smtClean="0"/>
+              <a:t>Downsizing </a:t>
+            </a:r>
+            <a:r>
+              <a:rPr lang="en-US" sz="2800" dirty="0"/>
+              <a:t>happens when employees resign or retire.</a:t>
+            </a:r>
+          </a:p>
+          <a:p>
+            <a:r>
+              <a:rPr lang="en-US" sz="2800" dirty="0"/>
+              <a:t>There </a:t>
+            </a:r>
+            <a:r>
+              <a:rPr lang="en-US" sz="2800" dirty="0" smtClean="0"/>
+              <a:t>are many reasons why employee </a:t>
+            </a:r>
+            <a:r>
+              <a:rPr lang="en-US" sz="2800" dirty="0"/>
+              <a:t>attrition takes place.</a:t>
+            </a:r>
+          </a:p>
+          <a:p>
+            <a:r>
+              <a:rPr lang="en-US" sz="2800" dirty="0" smtClean="0"/>
+              <a:t>For example:</a:t>
+            </a:r>
+            <a:endParaRPr lang="en-US" sz="2800" dirty="0"/>
           </a:p>
           <a:p>
             <a:pPr marL="68580" indent="0">
@@ -7904,11 +8409,15 @@
             </a:pPr>
             <a:r>
               <a:rPr lang="en-US" sz="2600" dirty="0" smtClean="0"/>
-              <a:t>       -Unsatisfactory </a:t>
+              <a:t>      </a:t>
+            </a:r>
+            <a:r>
+              <a:rPr lang="en-US" sz="2600" dirty="0" smtClean="0"/>
+              <a:t>-Poor </a:t>
             </a:r>
             <a:r>
               <a:rPr lang="en-US" sz="2600" dirty="0"/>
-              <a:t>pay and/or benefits</a:t>
+              <a:t>work environment</a:t>
             </a:r>
           </a:p>
           <a:p>
@@ -7916,12 +8425,20 @@
               <a:buNone/>
             </a:pPr>
             <a:r>
+              <a:rPr lang="en-US" sz="2600" dirty="0"/>
+              <a:t>      </a:t>
+            </a:r>
+            <a:r>
               <a:rPr lang="en-US" sz="2600" dirty="0" smtClean="0"/>
-              <a:t>       -Poor </a:t>
+              <a:t>-</a:t>
             </a:r>
             <a:r>
               <a:rPr lang="en-US" sz="2600" dirty="0"/>
-              <a:t>workplace conditions</a:t>
+              <a:t>Poor work-life </a:t>
+            </a:r>
+            <a:r>
+              <a:rPr lang="en-US" sz="2600" dirty="0" smtClean="0"/>
+              <a:t>balance</a:t>
             </a:r>
           </a:p>
           <a:p>
@@ -7930,22 +8447,17 @@
             </a:pPr>
             <a:r>
               <a:rPr lang="en-US" sz="2600" dirty="0" smtClean="0"/>
-              <a:t>       -Poor </a:t>
+              <a:t>      -Unsatisfactory </a:t>
             </a:r>
             <a:r>
               <a:rPr lang="en-US" sz="2600" dirty="0"/>
-              <a:t>work-life balance</a:t>
-            </a:r>
-          </a:p>
-          <a:p>
-            <a:pPr marL="68580" indent="0">
-              <a:buNone/>
-            </a:pPr>
+              <a:t>pay and/or </a:t>
+            </a:r>
             <a:r>
               <a:rPr lang="en-US" sz="2600" dirty="0" smtClean="0"/>
-              <a:t>       -Relocation</a:t>
-            </a:r>
-            <a:endParaRPr lang="en-PH" sz="2600" dirty="0"/>
+              <a:t>benefits</a:t>
+            </a:r>
+            <a:endParaRPr lang="en-US" sz="2600" dirty="0"/>
           </a:p>
         </p:txBody>
       </p:sp>
@@ -7971,6 +8483,13 @@
       </p:transition>
     </mc:Fallback>
   </mc:AlternateContent>
+  <p:timing>
+    <p:tnLst>
+      <p:par>
+        <p:cTn id="1" dur="indefinite" restart="never" nodeType="tmRoot"/>
+      </p:par>
+    </p:tnLst>
+  </p:timing>
 </p:sld>
 </file>
 
@@ -8003,6 +8522,357 @@
         </p:nvSpPr>
         <p:spPr>
           <a:xfrm>
+            <a:off x="1219200" y="869160"/>
+            <a:ext cx="10363200" cy="914400"/>
+          </a:xfrm>
+        </p:spPr>
+        <p:txBody>
+          <a:bodyPr/>
+          <a:lstStyle/>
+          <a:p>
+            <a:r>
+              <a:rPr lang="en-US" dirty="0"/>
+              <a:t>D</a:t>
+            </a:r>
+            <a:r>
+              <a:rPr lang="en-US" dirty="0" smtClean="0"/>
+              <a:t>ata Analysis Process</a:t>
+            </a:r>
+            <a:endParaRPr lang="en-PH" dirty="0"/>
+          </a:p>
+        </p:txBody>
+      </p:sp>
+      <p:sp>
+        <p:nvSpPr>
+          <p:cNvPr id="3" name="Content Placeholder 2"/>
+          <p:cNvSpPr>
+            <a:spLocks noGrp="1"/>
+          </p:cNvSpPr>
+          <p:nvPr>
+            <p:ph idx="1"/>
+          </p:nvPr>
+        </p:nvSpPr>
+        <p:spPr/>
+        <p:txBody>
+          <a:bodyPr>
+            <a:normAutofit/>
+          </a:bodyPr>
+          <a:lstStyle/>
+          <a:p>
+            <a:r>
+              <a:rPr lang="en-US" dirty="0" smtClean="0"/>
+              <a:t>consists </a:t>
+            </a:r>
+            <a:r>
+              <a:rPr lang="en-US" dirty="0"/>
+              <a:t>of six phases :</a:t>
+            </a:r>
+            <a:br>
+              <a:rPr lang="en-US" dirty="0"/>
+            </a:br>
+            <a:r>
+              <a:rPr lang="en-US" b="1" dirty="0"/>
+              <a:t>1. Ask: </a:t>
+            </a:r>
+            <a:r>
+              <a:rPr lang="en-US" dirty="0"/>
+              <a:t>effective questions </a:t>
+            </a:r>
+            <a:r>
+              <a:rPr lang="en-US" dirty="0" smtClean="0"/>
+              <a:t>to </a:t>
+            </a:r>
+            <a:r>
+              <a:rPr lang="en-US" dirty="0"/>
+              <a:t>define the problem.</a:t>
+            </a:r>
+            <a:br>
+              <a:rPr lang="en-US" dirty="0"/>
+            </a:br>
+            <a:r>
+              <a:rPr lang="en-US" b="1" dirty="0"/>
+              <a:t>2. Prepare</a:t>
+            </a:r>
+            <a:r>
+              <a:rPr lang="en-US" b="1" dirty="0" smtClean="0"/>
+              <a:t>: </a:t>
+            </a:r>
+            <a:r>
+              <a:rPr lang="en-US" dirty="0" smtClean="0"/>
+              <a:t>collect </a:t>
+            </a:r>
+            <a:r>
+              <a:rPr lang="en-US" dirty="0"/>
+              <a:t>and </a:t>
+            </a:r>
+            <a:r>
+              <a:rPr lang="en-US" dirty="0" smtClean="0"/>
+              <a:t>view </a:t>
+            </a:r>
+            <a:r>
+              <a:rPr lang="en-US" dirty="0"/>
+              <a:t>the information.</a:t>
+            </a:r>
+            <a:br>
+              <a:rPr lang="en-US" dirty="0"/>
+            </a:br>
+            <a:r>
+              <a:rPr lang="en-US" b="1" dirty="0"/>
+              <a:t>3. Process: </a:t>
+            </a:r>
+            <a:r>
+              <a:rPr lang="en-US" dirty="0" smtClean="0"/>
+              <a:t>cleaning </a:t>
+            </a:r>
+            <a:r>
+              <a:rPr lang="en-US" dirty="0"/>
+              <a:t>and checking the information.</a:t>
+            </a:r>
+            <a:br>
+              <a:rPr lang="en-US" dirty="0"/>
+            </a:br>
+            <a:r>
+              <a:rPr lang="en-US" b="1" dirty="0"/>
+              <a:t>4. </a:t>
+            </a:r>
+            <a:r>
+              <a:rPr lang="en-US" b="1" dirty="0" smtClean="0"/>
+              <a:t>Analyze: </a:t>
+            </a:r>
+            <a:r>
+              <a:rPr lang="en-US" dirty="0" smtClean="0"/>
+              <a:t>to </a:t>
+            </a:r>
+            <a:r>
+              <a:rPr lang="en-US" dirty="0"/>
+              <a:t>find patterns, relationships, and trends.</a:t>
+            </a:r>
+            <a:br>
+              <a:rPr lang="en-US" dirty="0"/>
+            </a:br>
+            <a:r>
+              <a:rPr lang="en-US" b="1" dirty="0"/>
+              <a:t>5. Share: </a:t>
+            </a:r>
+            <a:r>
+              <a:rPr lang="en-US" dirty="0" smtClean="0"/>
+              <a:t>with </a:t>
+            </a:r>
+            <a:r>
+              <a:rPr lang="en-US" dirty="0"/>
+              <a:t>audience/stakeholders.</a:t>
+            </a:r>
+            <a:br>
+              <a:rPr lang="en-US" dirty="0"/>
+            </a:br>
+            <a:r>
+              <a:rPr lang="en-US" b="1" dirty="0"/>
+              <a:t>6. Act: </a:t>
+            </a:r>
+            <a:r>
+              <a:rPr lang="en-US" dirty="0"/>
+              <a:t>on the data and use the analysis results</a:t>
+            </a:r>
+            <a:endParaRPr lang="en-PH" dirty="0"/>
+          </a:p>
+        </p:txBody>
+      </p:sp>
+    </p:spTree>
+    <p:extLst>
+      <p:ext uri="{BB962C8B-B14F-4D97-AF65-F5344CB8AC3E}">
+        <p14:creationId xmlns:p14="http://schemas.microsoft.com/office/powerpoint/2010/main" val="2629213484"/>
+      </p:ext>
+    </p:extLst>
+  </p:cSld>
+  <p:clrMapOvr>
+    <a:masterClrMapping/>
+  </p:clrMapOvr>
+  <mc:AlternateContent xmlns:mc="http://schemas.openxmlformats.org/markup-compatibility/2006" xmlns:p14="http://schemas.microsoft.com/office/powerpoint/2010/main">
+    <mc:Choice Requires="p14">
+      <p:transition spd="med" p14:dur="700">
+        <p:fade/>
+      </p:transition>
+    </mc:Choice>
+    <mc:Fallback xmlns="">
+      <p:transition spd="med">
+        <p:fade/>
+      </p:transition>
+    </mc:Fallback>
+  </mc:AlternateContent>
+  <p:timing>
+    <p:tnLst>
+      <p:par>
+        <p:cTn id="1" dur="indefinite" restart="never" nodeType="tmRoot"/>
+      </p:par>
+    </p:tnLst>
+  </p:timing>
+</p:sld>
+</file>
+
+<file path=ppt/slides/slide6.xml><?xml version="1.0" encoding="utf-8"?>
+<p:sld xmlns:a="http://schemas.openxmlformats.org/drawingml/2006/main" xmlns:r="http://schemas.openxmlformats.org/officeDocument/2006/relationships" xmlns:p="http://schemas.openxmlformats.org/presentationml/2006/main">
+  <p:cSld>
+    <p:spTree>
+      <p:nvGrpSpPr>
+        <p:cNvPr id="1" name=""/>
+        <p:cNvGrpSpPr/>
+        <p:nvPr/>
+      </p:nvGrpSpPr>
+      <p:grpSpPr>
+        <a:xfrm>
+          <a:off x="0" y="0"/>
+          <a:ext cx="0" cy="0"/>
+          <a:chOff x="0" y="0"/>
+          <a:chExt cx="0" cy="0"/>
+        </a:xfrm>
+      </p:grpSpPr>
+      <p:sp>
+        <p:nvSpPr>
+          <p:cNvPr id="2" name="Title 1"/>
+          <p:cNvSpPr>
+            <a:spLocks noGrp="1"/>
+          </p:cNvSpPr>
+          <p:nvPr>
+            <p:ph type="title"/>
+          </p:nvPr>
+        </p:nvSpPr>
+        <p:spPr>
+          <a:xfrm>
+            <a:off x="1219200" y="995389"/>
+            <a:ext cx="10363200" cy="914400"/>
+          </a:xfrm>
+        </p:spPr>
+        <p:txBody>
+          <a:bodyPr/>
+          <a:lstStyle/>
+          <a:p>
+            <a:r>
+              <a:rPr lang="en-PH" dirty="0"/>
+              <a:t>1. A</a:t>
+            </a:r>
+            <a:r>
+              <a:rPr lang="en-PH" dirty="0" smtClean="0"/>
+              <a:t>sk: Business </a:t>
+            </a:r>
+            <a:r>
+              <a:rPr lang="en-PH" dirty="0"/>
+              <a:t>Objective</a:t>
+            </a:r>
+          </a:p>
+        </p:txBody>
+      </p:sp>
+      <p:sp>
+        <p:nvSpPr>
+          <p:cNvPr id="3" name="Content Placeholder 2"/>
+          <p:cNvSpPr>
+            <a:spLocks noGrp="1"/>
+          </p:cNvSpPr>
+          <p:nvPr>
+            <p:ph idx="1"/>
+          </p:nvPr>
+        </p:nvSpPr>
+        <p:spPr>
+          <a:xfrm>
+            <a:off x="1219200" y="2110132"/>
+            <a:ext cx="9795803" cy="3291862"/>
+          </a:xfrm>
+        </p:spPr>
+        <p:txBody>
+          <a:bodyPr/>
+          <a:lstStyle/>
+          <a:p>
+            <a:r>
+              <a:rPr lang="en-US" dirty="0"/>
+              <a:t>Our goal is to explore and analyze </a:t>
+            </a:r>
+            <a:r>
+              <a:rPr lang="en-US" dirty="0" smtClean="0"/>
+              <a:t>the data </a:t>
+            </a:r>
+            <a:r>
+              <a:rPr lang="en-US" dirty="0"/>
+              <a:t>to understand how these factors </a:t>
+            </a:r>
+            <a:r>
+              <a:rPr lang="en-US" dirty="0" smtClean="0"/>
+              <a:t>related </a:t>
+            </a:r>
+            <a:r>
+              <a:rPr lang="en-US" dirty="0"/>
+              <a:t>to </a:t>
+            </a:r>
+            <a:r>
+              <a:rPr lang="en-US" dirty="0" smtClean="0"/>
+              <a:t>employee attrition, </a:t>
+            </a:r>
+            <a:r>
+              <a:rPr lang="en-US" dirty="0"/>
+              <a:t>in order to prevent valuable employees from leaving.</a:t>
+            </a:r>
+          </a:p>
+        </p:txBody>
+      </p:sp>
+    </p:spTree>
+    <p:extLst>
+      <p:ext uri="{BB962C8B-B14F-4D97-AF65-F5344CB8AC3E}">
+        <p14:creationId xmlns:p14="http://schemas.microsoft.com/office/powerpoint/2010/main" val="2532999985"/>
+      </p:ext>
+    </p:extLst>
+  </p:cSld>
+  <p:clrMapOvr>
+    <a:masterClrMapping/>
+  </p:clrMapOvr>
+  <mc:AlternateContent xmlns:mc="http://schemas.openxmlformats.org/markup-compatibility/2006" xmlns:p14="http://schemas.microsoft.com/office/powerpoint/2010/main">
+    <mc:Choice Requires="p14">
+      <p:transition spd="med" p14:dur="700">
+        <p:fade/>
+      </p:transition>
+    </mc:Choice>
+    <mc:Fallback xmlns="">
+      <p:transition spd="med">
+        <p:fade/>
+      </p:transition>
+    </mc:Fallback>
+  </mc:AlternateContent>
+  <p:timing>
+    <p:tnLst>
+      <p:par>
+        <p:cTn id="1" dur="indefinite" restart="never" nodeType="tmRoot"/>
+      </p:par>
+    </p:tnLst>
+  </p:timing>
+</p:sld>
+</file>
+
+<file path=ppt/slides/slide7.xml><?xml version="1.0" encoding="utf-8"?>
+<p:sld xmlns:a="http://schemas.openxmlformats.org/drawingml/2006/main" xmlns:r="http://schemas.openxmlformats.org/officeDocument/2006/relationships" xmlns:p="http://schemas.openxmlformats.org/presentationml/2006/main">
+  <p:cSld>
+    <p:spTree>
+      <p:nvGrpSpPr>
+        <p:cNvPr id="1" name=""/>
+        <p:cNvGrpSpPr/>
+        <p:nvPr/>
+      </p:nvGrpSpPr>
+      <p:grpSpPr>
+        <a:xfrm>
+          <a:off x="0" y="0"/>
+          <a:ext cx="0" cy="0"/>
+          <a:chOff x="0" y="0"/>
+          <a:chExt cx="0" cy="0"/>
+        </a:xfrm>
+      </p:grpSpPr>
+      <p:sp>
+        <p:nvSpPr>
+          <p:cNvPr id="2" name="Title 1"/>
+          <p:cNvSpPr>
+            <a:spLocks noGrp="1"/>
+          </p:cNvSpPr>
+          <p:nvPr>
+            <p:ph type="title"/>
+          </p:nvPr>
+        </p:nvSpPr>
+        <p:spPr>
+          <a:xfrm>
             <a:off x="1219200" y="1034579"/>
             <a:ext cx="10363200" cy="914400"/>
           </a:xfrm>
@@ -8012,10 +8882,18 @@
           <a:lstStyle/>
           <a:p>
             <a:r>
-              <a:rPr lang="en-PH" dirty="0" smtClean="0"/>
-              <a:t>Dataset</a:t>
-            </a:r>
-            <a:endParaRPr lang="en-PH" dirty="0"/>
+              <a:rPr lang="en-US" dirty="0" smtClean="0"/>
+              <a:t>2. </a:t>
+            </a:r>
+            <a:r>
+              <a:rPr lang="en-US" dirty="0"/>
+              <a:t>P</a:t>
+            </a:r>
+            <a:r>
+              <a:rPr lang="en-US" dirty="0" smtClean="0"/>
+              <a:t>repare: Exploring The Dataset</a:t>
+            </a:r>
+            <a:endParaRPr lang="en-US" dirty="0"/>
           </a:p>
         </p:txBody>
       </p:sp>
@@ -8120,10 +8998,17 @@
       </p:transition>
     </mc:Fallback>
   </mc:AlternateContent>
+  <p:timing>
+    <p:tnLst>
+      <p:par>
+        <p:cTn id="1" dur="indefinite" restart="never" nodeType="tmRoot"/>
+      </p:par>
+    </p:tnLst>
+  </p:timing>
 </p:sld>
 </file>
 
-<file path=ppt/slides/slide6.xml><?xml version="1.0" encoding="utf-8"?>
+<file path=ppt/slides/slide8.xml><?xml version="1.0" encoding="utf-8"?>
 <p:sld xmlns:a="http://schemas.openxmlformats.org/drawingml/2006/main" xmlns:r="http://schemas.openxmlformats.org/officeDocument/2006/relationships" xmlns:p="http://schemas.openxmlformats.org/presentationml/2006/main">
   <p:cSld>
     <p:spTree>
@@ -8152,116 +9037,6 @@
         </p:nvSpPr>
         <p:spPr>
           <a:xfrm>
-            <a:off x="1219200" y="995389"/>
-            <a:ext cx="10363200" cy="914400"/>
-          </a:xfrm>
-        </p:spPr>
-        <p:txBody>
-          <a:bodyPr/>
-          <a:lstStyle/>
-          <a:p>
-            <a:r>
-              <a:rPr lang="en-PH" dirty="0" smtClean="0"/>
-              <a:t>Business Objective</a:t>
-            </a:r>
-            <a:endParaRPr lang="en-PH" dirty="0"/>
-          </a:p>
-        </p:txBody>
-      </p:sp>
-      <p:sp>
-        <p:nvSpPr>
-          <p:cNvPr id="3" name="Content Placeholder 2"/>
-          <p:cNvSpPr>
-            <a:spLocks noGrp="1"/>
-          </p:cNvSpPr>
-          <p:nvPr>
-            <p:ph idx="1"/>
-          </p:nvPr>
-        </p:nvSpPr>
-        <p:spPr>
-          <a:xfrm>
-            <a:off x="1219200" y="2110132"/>
-            <a:ext cx="10363200" cy="4572000"/>
-          </a:xfrm>
-        </p:spPr>
-        <p:txBody>
-          <a:bodyPr/>
-          <a:lstStyle/>
-          <a:p>
-            <a:r>
-              <a:rPr lang="en-US" dirty="0" smtClean="0"/>
-              <a:t>Exploratory </a:t>
-            </a:r>
-            <a:r>
-              <a:rPr lang="en-US" dirty="0"/>
-              <a:t>data analysis to understand how these factors relate to </a:t>
-            </a:r>
-            <a:r>
-              <a:rPr lang="en-US" dirty="0" smtClean="0"/>
-              <a:t>employee attrition, </a:t>
-            </a:r>
-            <a:r>
-              <a:rPr lang="en-US" dirty="0"/>
-              <a:t>in order to prevent valuable employees from leaving.</a:t>
-            </a:r>
-            <a:endParaRPr lang="en-US" dirty="0"/>
-          </a:p>
-        </p:txBody>
-      </p:sp>
-    </p:spTree>
-    <p:extLst>
-      <p:ext uri="{BB962C8B-B14F-4D97-AF65-F5344CB8AC3E}">
-        <p14:creationId xmlns:p14="http://schemas.microsoft.com/office/powerpoint/2010/main" val="2532999985"/>
-      </p:ext>
-    </p:extLst>
-  </p:cSld>
-  <p:clrMapOvr>
-    <a:masterClrMapping/>
-  </p:clrMapOvr>
-  <mc:AlternateContent xmlns:mc="http://schemas.openxmlformats.org/markup-compatibility/2006" xmlns:p14="http://schemas.microsoft.com/office/powerpoint/2010/main">
-    <mc:Choice Requires="p14">
-      <p:transition spd="med" p14:dur="700">
-        <p:fade/>
-      </p:transition>
-    </mc:Choice>
-    <mc:Fallback xmlns="">
-      <p:transition spd="med">
-        <p:fade/>
-      </p:transition>
-    </mc:Fallback>
-  </mc:AlternateContent>
-</p:sld>
-</file>
-
-<file path=ppt/slides/slide7.xml><?xml version="1.0" encoding="utf-8"?>
-<p:sld xmlns:a="http://schemas.openxmlformats.org/drawingml/2006/main" xmlns:r="http://schemas.openxmlformats.org/officeDocument/2006/relationships" xmlns:p="http://schemas.openxmlformats.org/presentationml/2006/main">
-  <p:cSld>
-    <p:spTree>
-      <p:nvGrpSpPr>
-        <p:cNvPr id="1" name=""/>
-        <p:cNvGrpSpPr/>
-        <p:nvPr/>
-      </p:nvGrpSpPr>
-      <p:grpSpPr>
-        <a:xfrm>
-          <a:off x="0" y="0"/>
-          <a:ext cx="0" cy="0"/>
-          <a:chOff x="0" y="0"/>
-          <a:chExt cx="0" cy="0"/>
-        </a:xfrm>
-      </p:grpSpPr>
-      <p:sp>
-        <p:nvSpPr>
-          <p:cNvPr id="2" name="Title 1"/>
-          <p:cNvSpPr>
-            <a:spLocks noGrp="1"/>
-          </p:cNvSpPr>
-          <p:nvPr>
-            <p:ph type="title"/>
-          </p:nvPr>
-        </p:nvSpPr>
-        <p:spPr>
-          <a:xfrm>
             <a:off x="1232263" y="1117355"/>
             <a:ext cx="10363200" cy="914400"/>
           </a:xfrm>
@@ -8272,9 +9047,12 @@
           <a:p>
             <a:r>
               <a:rPr lang="en-PH" dirty="0" smtClean="0"/>
-              <a:t>Data Preparation</a:t>
-            </a:r>
-            <a:endParaRPr lang="en-PH" dirty="0"/>
+              <a:t>3. Process: </a:t>
+            </a:r>
+            <a:r>
+              <a:rPr lang="en-PH" dirty="0"/>
+              <a:t>Cleaning The Data</a:t>
+            </a:r>
           </a:p>
         </p:txBody>
       </p:sp>
@@ -8300,7 +9078,7 @@
           <a:p>
             <a:r>
               <a:rPr lang="en-US" dirty="0" smtClean="0"/>
-              <a:t>Remove unnecessary columns:</a:t>
+              <a:t>Removed unnecessary columns:</a:t>
             </a:r>
           </a:p>
           <a:p>
@@ -8328,13 +9106,21 @@
           <a:p>
             <a:r>
               <a:rPr lang="en-US" dirty="0" smtClean="0"/>
-              <a:t>Change the wrong data type.</a:t>
+              <a:t>Changed the wrong data type.</a:t>
             </a:r>
           </a:p>
           <a:p>
             <a:r>
               <a:rPr lang="en-US" dirty="0" smtClean="0"/>
-              <a:t>Divide tables &amp; create a “Star Schema”.</a:t>
+              <a:t>Divided tables </a:t>
+            </a:r>
+            <a:r>
+              <a:rPr lang="en-US" dirty="0" smtClean="0"/>
+              <a:t>to </a:t>
+            </a:r>
+            <a:r>
+              <a:rPr lang="en-US" dirty="0" smtClean="0"/>
+              <a:t>created a “Star Schema”.</a:t>
             </a:r>
             <a:endParaRPr lang="en-US" dirty="0"/>
           </a:p>
@@ -8362,10 +9148,17 @@
       </p:transition>
     </mc:Fallback>
   </mc:AlternateContent>
+  <p:timing>
+    <p:tnLst>
+      <p:par>
+        <p:cTn id="1" dur="indefinite" restart="never" nodeType="tmRoot"/>
+      </p:par>
+    </p:tnLst>
+  </p:timing>
 </p:sld>
 </file>
 
-<file path=ppt/slides/slide8.xml><?xml version="1.0" encoding="utf-8"?>
+<file path=ppt/slides/slide9.xml><?xml version="1.0" encoding="utf-8"?>
 <p:sld xmlns:a="http://schemas.openxmlformats.org/drawingml/2006/main" xmlns:r="http://schemas.openxmlformats.org/officeDocument/2006/relationships" xmlns:p="http://schemas.openxmlformats.org/presentationml/2006/main">
   <p:cSld>
     <p:spTree>
@@ -8404,7 +9197,7 @@
           <a:p>
             <a:r>
               <a:rPr lang="en-US" dirty="0" smtClean="0"/>
-              <a:t>Exploratory Data</a:t>
+              <a:t>4. Analyze :</a:t>
             </a:r>
             <a:endParaRPr lang="en-US" dirty="0"/>
           </a:p>
@@ -8435,7 +9228,7 @@
             </a:pPr>
             <a:r>
               <a:rPr lang="en-US" dirty="0" smtClean="0"/>
-              <a:t>Founded that :</a:t>
+              <a:t>Found that :</a:t>
             </a:r>
           </a:p>
           <a:p>
@@ -8480,310 +9273,13 @@
       </p:transition>
     </mc:Fallback>
   </mc:AlternateContent>
-</p:sld>
-</file>
-
-<file path=ppt/slides/slide9.xml><?xml version="1.0" encoding="utf-8"?>
-<p:sld xmlns:a="http://schemas.openxmlformats.org/drawingml/2006/main" xmlns:r="http://schemas.openxmlformats.org/officeDocument/2006/relationships" xmlns:p="http://schemas.openxmlformats.org/presentationml/2006/main">
-  <p:cSld>
-    <p:spTree>
-      <p:nvGrpSpPr>
-        <p:cNvPr id="1" name=""/>
-        <p:cNvGrpSpPr/>
-        <p:nvPr/>
-      </p:nvGrpSpPr>
-      <p:grpSpPr>
-        <a:xfrm>
-          <a:off x="0" y="0"/>
-          <a:ext cx="0" cy="0"/>
-          <a:chOff x="0" y="0"/>
-          <a:chExt cx="0" cy="0"/>
-        </a:xfrm>
-      </p:grpSpPr>
-      <p:sp>
-        <p:nvSpPr>
-          <p:cNvPr id="2" name="Title 1"/>
-          <p:cNvSpPr>
-            <a:spLocks noGrp="1"/>
-          </p:cNvSpPr>
-          <p:nvPr>
-            <p:ph type="title"/>
-          </p:nvPr>
-        </p:nvSpPr>
-        <p:spPr>
-          <a:xfrm>
-            <a:off x="1206137" y="956202"/>
-            <a:ext cx="10363200" cy="914400"/>
-          </a:xfrm>
-        </p:spPr>
-        <p:txBody>
-          <a:bodyPr/>
-          <a:lstStyle/>
-          <a:p>
-            <a:r>
-              <a:rPr lang="en-US" dirty="0"/>
-              <a:t>Exploratory </a:t>
-            </a:r>
-            <a:r>
-              <a:rPr lang="en-US" dirty="0" smtClean="0"/>
-              <a:t>Data…</a:t>
-            </a:r>
-            <a:endParaRPr lang="en-US" dirty="0"/>
-          </a:p>
-        </p:txBody>
-      </p:sp>
-      <p:pic>
-        <p:nvPicPr>
-          <p:cNvPr id="4" name="Content Placeholder 3"/>
-          <p:cNvPicPr>
-            <a:picLocks noGrp="1" noChangeAspect="1"/>
-          </p:cNvPicPr>
-          <p:nvPr>
-            <p:ph idx="1"/>
-          </p:nvPr>
-        </p:nvPicPr>
-        <p:blipFill rotWithShape="1">
-          <a:blip r:embed="rId2"/>
-          <a:srcRect l="16266" t="26972" r="58996" b="46171"/>
-          <a:stretch/>
-        </p:blipFill>
-        <p:spPr>
-          <a:xfrm>
-            <a:off x="5230150" y="1870602"/>
-            <a:ext cx="5376890" cy="3450925"/>
-          </a:xfrm>
-          <a:prstGeom prst="rect">
-            <a:avLst/>
-          </a:prstGeom>
-        </p:spPr>
-      </p:pic>
-      <p:sp>
-        <p:nvSpPr>
-          <p:cNvPr id="7" name="Content Placeholder 2"/>
-          <p:cNvSpPr txBox="1">
-            <a:spLocks/>
-          </p:cNvSpPr>
-          <p:nvPr/>
-        </p:nvSpPr>
-        <p:spPr>
-          <a:xfrm>
-            <a:off x="984069" y="1870602"/>
-            <a:ext cx="3932572" cy="3735976"/>
-          </a:xfrm>
-          <a:prstGeom prst="rect">
-            <a:avLst/>
-          </a:prstGeom>
-        </p:spPr>
-        <p:txBody>
-          <a:bodyPr vert="horz">
-            <a:normAutofit/>
-          </a:bodyPr>
-          <a:lstStyle>
-            <a:lvl1pPr marL="411480" indent="-342900" algn="l" rtl="0" eaLnBrk="1" latinLnBrk="0" hangingPunct="1">
-              <a:spcBef>
-                <a:spcPts val="700"/>
-              </a:spcBef>
-              <a:buClr>
-                <a:schemeClr val="tx2"/>
-              </a:buClr>
-              <a:buSzPct val="95000"/>
-              <a:buFont typeface="Wingdings"/>
-              <a:buChar char=""/>
-              <a:defRPr kumimoji="0" sz="3000" kern="1200">
-                <a:solidFill>
-                  <a:schemeClr val="tx1"/>
-                </a:solidFill>
-                <a:latin typeface="+mn-lt"/>
-                <a:ea typeface="+mn-ea"/>
-                <a:cs typeface="+mn-cs"/>
-              </a:defRPr>
-            </a:lvl1pPr>
-            <a:lvl2pPr marL="740664" indent="-285750" algn="l" rtl="0" eaLnBrk="1" latinLnBrk="0" hangingPunct="1">
-              <a:spcBef>
-                <a:spcPct val="20000"/>
-              </a:spcBef>
-              <a:buClr>
-                <a:schemeClr val="accent2"/>
-              </a:buClr>
-              <a:buSzPct val="90000"/>
-              <a:buFont typeface="Wingdings"/>
-              <a:buChar char=""/>
-              <a:defRPr kumimoji="0" sz="2600" kern="1200">
-                <a:solidFill>
-                  <a:schemeClr val="tx1"/>
-                </a:solidFill>
-                <a:latin typeface="+mn-lt"/>
-                <a:ea typeface="+mn-ea"/>
-                <a:cs typeface="+mn-cs"/>
-              </a:defRPr>
-            </a:lvl2pPr>
-            <a:lvl3pPr marL="996696" indent="-228600" algn="l" rtl="0" eaLnBrk="1" latinLnBrk="0" hangingPunct="1">
-              <a:spcBef>
-                <a:spcPct val="20000"/>
-              </a:spcBef>
-              <a:buClr>
-                <a:schemeClr val="accent2"/>
-              </a:buClr>
-              <a:buFont typeface="Wingdings 2"/>
-              <a:buChar char=""/>
-              <a:defRPr kumimoji="0" sz="2400" kern="1200">
-                <a:solidFill>
-                  <a:schemeClr val="tx1"/>
-                </a:solidFill>
-                <a:latin typeface="+mn-lt"/>
-                <a:ea typeface="+mn-ea"/>
-                <a:cs typeface="+mn-cs"/>
-              </a:defRPr>
-            </a:lvl3pPr>
-            <a:lvl4pPr marL="1261872" indent="-228600" algn="l" rtl="0" eaLnBrk="1" latinLnBrk="0" hangingPunct="1">
-              <a:spcBef>
-                <a:spcPct val="20000"/>
-              </a:spcBef>
-              <a:buClr>
-                <a:schemeClr val="accent3"/>
-              </a:buClr>
-              <a:buFont typeface="Wingdings 3"/>
-              <a:buChar char=""/>
-              <a:defRPr kumimoji="0" sz="2200" kern="1200">
-                <a:solidFill>
-                  <a:schemeClr val="tx1"/>
-                </a:solidFill>
-                <a:latin typeface="+mn-lt"/>
-                <a:ea typeface="+mn-ea"/>
-                <a:cs typeface="+mn-cs"/>
-              </a:defRPr>
-            </a:lvl4pPr>
-            <a:lvl5pPr marL="1481328" indent="-210312" algn="l" rtl="0" eaLnBrk="1" latinLnBrk="0" hangingPunct="1">
-              <a:spcBef>
-                <a:spcPct val="20000"/>
-              </a:spcBef>
-              <a:buClr>
-                <a:schemeClr val="accent3"/>
-              </a:buClr>
-              <a:buFont typeface="Wingdings 2"/>
-              <a:buChar char=""/>
-              <a:defRPr kumimoji="0" sz="2000" kern="1200">
-                <a:solidFill>
-                  <a:schemeClr val="tx1"/>
-                </a:solidFill>
-                <a:latin typeface="+mn-lt"/>
-                <a:ea typeface="+mn-ea"/>
-                <a:cs typeface="+mn-cs"/>
-              </a:defRPr>
-            </a:lvl5pPr>
-            <a:lvl6pPr marL="1709928" indent="-210312" algn="l" rtl="0" eaLnBrk="1" latinLnBrk="0" hangingPunct="1">
-              <a:spcBef>
-                <a:spcPct val="20000"/>
-              </a:spcBef>
-              <a:buClr>
-                <a:schemeClr val="accent3"/>
-              </a:buClr>
-              <a:buFont typeface="Wingdings 2"/>
-              <a:buChar char=""/>
-              <a:defRPr kumimoji="0" sz="1800" kern="1200">
-                <a:solidFill>
-                  <a:schemeClr val="tx1"/>
-                </a:solidFill>
-                <a:latin typeface="+mn-lt"/>
-                <a:ea typeface="+mn-ea"/>
-                <a:cs typeface="+mn-cs"/>
-              </a:defRPr>
-            </a:lvl6pPr>
-            <a:lvl7pPr marL="1901952" indent="-182880" algn="l" rtl="0" eaLnBrk="1" latinLnBrk="0" hangingPunct="1">
-              <a:spcBef>
-                <a:spcPct val="20000"/>
-              </a:spcBef>
-              <a:buClr>
-                <a:schemeClr val="accent4"/>
-              </a:buClr>
-              <a:buFont typeface="Wingdings 2"/>
-              <a:buChar char=""/>
-              <a:defRPr kumimoji="0" sz="1600" kern="1200">
-                <a:solidFill>
-                  <a:schemeClr val="tx1"/>
-                </a:solidFill>
-                <a:latin typeface="+mn-lt"/>
-                <a:ea typeface="+mn-ea"/>
-                <a:cs typeface="+mn-cs"/>
-              </a:defRPr>
-            </a:lvl7pPr>
-            <a:lvl8pPr marL="2093976" indent="-182880" algn="l" rtl="0" eaLnBrk="1" latinLnBrk="0" hangingPunct="1">
-              <a:spcBef>
-                <a:spcPct val="20000"/>
-              </a:spcBef>
-              <a:buClr>
-                <a:schemeClr val="accent4"/>
-              </a:buClr>
-              <a:buFont typeface="Wingdings 2"/>
-              <a:buChar char=""/>
-              <a:defRPr kumimoji="0" sz="1600" kern="1200">
-                <a:solidFill>
-                  <a:schemeClr val="tx1"/>
-                </a:solidFill>
-                <a:latin typeface="+mn-lt"/>
-                <a:ea typeface="+mn-ea"/>
-                <a:cs typeface="+mn-cs"/>
-              </a:defRPr>
-            </a:lvl8pPr>
-            <a:lvl9pPr marL="2286000" indent="-182880" algn="l" rtl="0" eaLnBrk="1" latinLnBrk="0" hangingPunct="1">
-              <a:spcBef>
-                <a:spcPct val="20000"/>
-              </a:spcBef>
-              <a:buClr>
-                <a:schemeClr val="accent4"/>
-              </a:buClr>
-              <a:buFont typeface="Wingdings 2"/>
-              <a:buChar char=""/>
-              <a:defRPr kumimoji="0" sz="1600" kern="1200">
-                <a:solidFill>
-                  <a:schemeClr val="tx1"/>
-                </a:solidFill>
-                <a:latin typeface="+mn-lt"/>
-                <a:ea typeface="+mn-ea"/>
-                <a:cs typeface="+mn-cs"/>
-              </a:defRPr>
-            </a:lvl9pPr>
-            <a:extLst/>
-          </a:lstStyle>
-          <a:p>
-            <a:pPr marL="68580" indent="0">
-              <a:buNone/>
-            </a:pPr>
-            <a:r>
-              <a:rPr lang="en-US" dirty="0"/>
-              <a:t>conclusion :</a:t>
-            </a:r>
-          </a:p>
-          <a:p>
-            <a:r>
-              <a:rPr lang="en-US" dirty="0" smtClean="0"/>
-              <a:t>Most employees are married</a:t>
-            </a:r>
-          </a:p>
-        </p:txBody>
-      </p:sp>
-    </p:spTree>
-    <p:extLst>
-      <p:ext uri="{BB962C8B-B14F-4D97-AF65-F5344CB8AC3E}">
-        <p14:creationId xmlns:p14="http://schemas.microsoft.com/office/powerpoint/2010/main" val="1079638328"/>
-      </p:ext>
-    </p:extLst>
-  </p:cSld>
-  <p:clrMapOvr>
-    <a:masterClrMapping/>
-  </p:clrMapOvr>
-  <mc:AlternateContent xmlns:mc="http://schemas.openxmlformats.org/markup-compatibility/2006" xmlns:p14="http://schemas.microsoft.com/office/powerpoint/2010/main">
-    <mc:Choice Requires="p14">
-      <p:transition spd="med" p14:dur="700">
-        <p:fade/>
-      </p:transition>
-    </mc:Choice>
-    <mc:Fallback xmlns="">
-      <p:transition spd="med">
-        <p:fade/>
-      </p:transition>
-    </mc:Fallback>
-  </mc:AlternateContent>
+  <p:timing>
+    <p:tnLst>
+      <p:par>
+        <p:cTn id="1" dur="indefinite" restart="never" nodeType="tmRoot"/>
+      </p:par>
+    </p:tnLst>
+  </p:timing>
 </p:sld>
 </file>
 
